--- a/3_Dokumentation/Handbuch/images/Bilder für Handbuch.pptx
+++ b/3_Dokumentation/Handbuch/images/Bilder für Handbuch.pptx
@@ -7,9 +7,12 @@
   <p:sldIdLst>
     <p:sldId id="256" r:id="rId2"/>
     <p:sldId id="257" r:id="rId3"/>
-    <p:sldId id="258" r:id="rId4"/>
-    <p:sldId id="259" r:id="rId5"/>
-    <p:sldId id="260" r:id="rId6"/>
+    <p:sldId id="262" r:id="rId4"/>
+    <p:sldId id="258" r:id="rId5"/>
+    <p:sldId id="261" r:id="rId6"/>
+    <p:sldId id="259" r:id="rId7"/>
+    <p:sldId id="260" r:id="rId8"/>
+    <p:sldId id="263" r:id="rId9"/>
   </p:sldIdLst>
   <p:sldSz cx="12192000" cy="6858000"/>
   <p:notesSz cx="6858000" cy="9144000"/>
@@ -263,7 +266,7 @@
           <a:p>
             <a:fld id="{457139BE-B90A-492C-AB6F-4D577625AFDA}" type="datetimeFigureOut">
               <a:rPr lang="de-DE" smtClean="0"/>
-              <a:t>05.06.2022</a:t>
+              <a:t>17.06.22</a:t>
             </a:fld>
             <a:endParaRPr lang="de-DE"/>
           </a:p>
@@ -461,7 +464,7 @@
           <a:p>
             <a:fld id="{457139BE-B90A-492C-AB6F-4D577625AFDA}" type="datetimeFigureOut">
               <a:rPr lang="de-DE" smtClean="0"/>
-              <a:t>05.06.2022</a:t>
+              <a:t>17.06.22</a:t>
             </a:fld>
             <a:endParaRPr lang="de-DE"/>
           </a:p>
@@ -669,7 +672,7 @@
           <a:p>
             <a:fld id="{457139BE-B90A-492C-AB6F-4D577625AFDA}" type="datetimeFigureOut">
               <a:rPr lang="de-DE" smtClean="0"/>
-              <a:t>05.06.2022</a:t>
+              <a:t>17.06.22</a:t>
             </a:fld>
             <a:endParaRPr lang="de-DE"/>
           </a:p>
@@ -867,7 +870,7 @@
           <a:p>
             <a:fld id="{457139BE-B90A-492C-AB6F-4D577625AFDA}" type="datetimeFigureOut">
               <a:rPr lang="de-DE" smtClean="0"/>
-              <a:t>05.06.2022</a:t>
+              <a:t>17.06.22</a:t>
             </a:fld>
             <a:endParaRPr lang="de-DE"/>
           </a:p>
@@ -1142,7 +1145,7 @@
           <a:p>
             <a:fld id="{457139BE-B90A-492C-AB6F-4D577625AFDA}" type="datetimeFigureOut">
               <a:rPr lang="de-DE" smtClean="0"/>
-              <a:t>05.06.2022</a:t>
+              <a:t>17.06.22</a:t>
             </a:fld>
             <a:endParaRPr lang="de-DE"/>
           </a:p>
@@ -1407,7 +1410,7 @@
           <a:p>
             <a:fld id="{457139BE-B90A-492C-AB6F-4D577625AFDA}" type="datetimeFigureOut">
               <a:rPr lang="de-DE" smtClean="0"/>
-              <a:t>05.06.2022</a:t>
+              <a:t>17.06.22</a:t>
             </a:fld>
             <a:endParaRPr lang="de-DE"/>
           </a:p>
@@ -1819,7 +1822,7 @@
           <a:p>
             <a:fld id="{457139BE-B90A-492C-AB6F-4D577625AFDA}" type="datetimeFigureOut">
               <a:rPr lang="de-DE" smtClean="0"/>
-              <a:t>05.06.2022</a:t>
+              <a:t>17.06.22</a:t>
             </a:fld>
             <a:endParaRPr lang="de-DE"/>
           </a:p>
@@ -1960,7 +1963,7 @@
           <a:p>
             <a:fld id="{457139BE-B90A-492C-AB6F-4D577625AFDA}" type="datetimeFigureOut">
               <a:rPr lang="de-DE" smtClean="0"/>
-              <a:t>05.06.2022</a:t>
+              <a:t>17.06.22</a:t>
             </a:fld>
             <a:endParaRPr lang="de-DE"/>
           </a:p>
@@ -2073,7 +2076,7 @@
           <a:p>
             <a:fld id="{457139BE-B90A-492C-AB6F-4D577625AFDA}" type="datetimeFigureOut">
               <a:rPr lang="de-DE" smtClean="0"/>
-              <a:t>05.06.2022</a:t>
+              <a:t>17.06.22</a:t>
             </a:fld>
             <a:endParaRPr lang="de-DE"/>
           </a:p>
@@ -2384,7 +2387,7 @@
           <a:p>
             <a:fld id="{457139BE-B90A-492C-AB6F-4D577625AFDA}" type="datetimeFigureOut">
               <a:rPr lang="de-DE" smtClean="0"/>
-              <a:t>05.06.2022</a:t>
+              <a:t>17.06.22</a:t>
             </a:fld>
             <a:endParaRPr lang="de-DE"/>
           </a:p>
@@ -2672,7 +2675,7 @@
           <a:p>
             <a:fld id="{457139BE-B90A-492C-AB6F-4D577625AFDA}" type="datetimeFigureOut">
               <a:rPr lang="de-DE" smtClean="0"/>
-              <a:t>05.06.2022</a:t>
+              <a:t>17.06.22</a:t>
             </a:fld>
             <a:endParaRPr lang="de-DE"/>
           </a:p>
@@ -2913,7 +2916,7 @@
           <a:p>
             <a:fld id="{457139BE-B90A-492C-AB6F-4D577625AFDA}" type="datetimeFigureOut">
               <a:rPr lang="de-DE" smtClean="0"/>
-              <a:t>05.06.2022</a:t>
+              <a:t>17.06.22</a:t>
             </a:fld>
             <a:endParaRPr lang="de-DE"/>
           </a:p>
@@ -3474,7 +3477,7 @@
             <a:p>
               <a:r>
                 <a:rPr lang="de-DE" dirty="0"/>
-                <a:t>4 (Um-)Rechner</a:t>
+                <a:t>5 (Um-)Rechner</a:t>
               </a:r>
             </a:p>
           </p:txBody>
@@ -3799,14 +3802,14 @@
               <a:avLst/>
             </a:prstGeom>
             <a:solidFill>
-              <a:schemeClr val="accent1">
+              <a:schemeClr val="accent6">
                 <a:lumMod val="40000"/>
                 <a:lumOff val="60000"/>
               </a:schemeClr>
             </a:solidFill>
             <a:ln w="19050">
               <a:solidFill>
-                <a:srgbClr val="0070C0"/>
+                <a:srgbClr val="00B050"/>
               </a:solidFill>
             </a:ln>
           </p:spPr>
@@ -3851,14 +3854,14 @@
               <a:avLst/>
             </a:prstGeom>
             <a:solidFill>
-              <a:schemeClr val="accent1">
+              <a:schemeClr val="accent6">
                 <a:lumMod val="40000"/>
                 <a:lumOff val="60000"/>
               </a:schemeClr>
             </a:solidFill>
             <a:ln w="19050">
               <a:solidFill>
-                <a:srgbClr val="0070C0"/>
+                <a:srgbClr val="00B050"/>
               </a:solidFill>
             </a:ln>
           </p:spPr>
@@ -3904,14 +3907,14 @@
               <a:avLst/>
             </a:prstGeom>
             <a:solidFill>
-              <a:schemeClr val="accent1">
+              <a:schemeClr val="accent6">
                 <a:lumMod val="40000"/>
                 <a:lumOff val="60000"/>
               </a:schemeClr>
             </a:solidFill>
             <a:ln w="19050">
               <a:solidFill>
-                <a:srgbClr val="0070C0"/>
+                <a:srgbClr val="00B050"/>
               </a:solidFill>
             </a:ln>
           </p:spPr>
@@ -3957,14 +3960,14 @@
               <a:avLst/>
             </a:prstGeom>
             <a:solidFill>
-              <a:schemeClr val="accent1">
+              <a:schemeClr val="accent6">
                 <a:lumMod val="40000"/>
                 <a:lumOff val="60000"/>
               </a:schemeClr>
             </a:solidFill>
             <a:ln w="19050">
               <a:solidFill>
-                <a:srgbClr val="0070C0"/>
+                <a:srgbClr val="00B050"/>
               </a:solidFill>
             </a:ln>
           </p:spPr>
@@ -4010,14 +4013,14 @@
               <a:avLst/>
             </a:prstGeom>
             <a:solidFill>
-              <a:schemeClr val="accent1">
+              <a:schemeClr val="accent6">
                 <a:lumMod val="40000"/>
                 <a:lumOff val="60000"/>
               </a:schemeClr>
             </a:solidFill>
             <a:ln w="19050">
               <a:solidFill>
-                <a:srgbClr val="0070C0"/>
+                <a:srgbClr val="00B050"/>
               </a:solidFill>
             </a:ln>
           </p:spPr>
@@ -4062,14 +4065,14 @@
               <a:avLst/>
             </a:prstGeom>
             <a:solidFill>
-              <a:schemeClr val="accent1">
+              <a:schemeClr val="accent6">
                 <a:lumMod val="40000"/>
                 <a:lumOff val="60000"/>
               </a:schemeClr>
             </a:solidFill>
             <a:ln w="19050">
               <a:solidFill>
-                <a:srgbClr val="0070C0"/>
+                <a:srgbClr val="00B050"/>
               </a:solidFill>
             </a:ln>
           </p:spPr>
@@ -4125,33 +4128,39 @@
       </p:grpSpPr>
       <p:pic>
         <p:nvPicPr>
-          <p:cNvPr id="7" name="Grafik 6">
-            <a:extLst>
-              <a:ext uri="{FF2B5EF4-FFF2-40B4-BE49-F238E27FC236}">
-                <a16:creationId xmlns:a16="http://schemas.microsoft.com/office/drawing/2014/main" id="{004DA969-771F-45BD-ABC0-0C6885CC0DA7}"/>
+          <p:cNvPr id="3" name="Grafik 2" descr="Ein Bild, das Text enthält.&#10;&#10;Automatisch generierte Beschreibung">
+            <a:extLst>
+              <a:ext uri="{FF2B5EF4-FFF2-40B4-BE49-F238E27FC236}">
+                <a16:creationId xmlns:a16="http://schemas.microsoft.com/office/drawing/2014/main" id="{77F9A2FF-10FC-0587-AB37-3DE9995007B3}"/>
               </a:ext>
             </a:extLst>
           </p:cNvPr>
           <p:cNvPicPr>
-            <a:picLocks noChangeAspect="1"/>
+            <a:picLocks/>
           </p:cNvPicPr>
           <p:nvPr/>
         </p:nvPicPr>
         <p:blipFill>
-          <a:blip r:embed="rId2"/>
+          <a:blip r:embed="rId2">
+            <a:extLst>
+              <a:ext uri="{28A0092B-C50C-407E-A947-70E740481C1C}">
+                <a14:useLocalDpi xmlns:a14="http://schemas.microsoft.com/office/drawing/2010/main" val="0"/>
+              </a:ext>
+            </a:extLst>
+          </a:blip>
           <a:stretch>
             <a:fillRect/>
           </a:stretch>
         </p:blipFill>
         <p:spPr>
           <a:xfrm>
-            <a:off x="2925805" y="1180905"/>
-            <a:ext cx="6340389" cy="4496190"/>
+            <a:off x="1712469" y="532371"/>
+            <a:ext cx="8834400" cy="5853600"/>
           </a:xfrm>
           <a:prstGeom prst="rect">
             <a:avLst/>
           </a:prstGeom>
-          <a:ln>
+          <a:ln w="12700">
             <a:solidFill>
               <a:schemeClr val="tx1"/>
             </a:solidFill>
@@ -4160,61 +4169,263 @@
       </p:pic>
       <p:sp>
         <p:nvSpPr>
-          <p:cNvPr id="8" name="Textfeld 7">
-            <a:extLst>
-              <a:ext uri="{FF2B5EF4-FFF2-40B4-BE49-F238E27FC236}">
-                <a16:creationId xmlns:a16="http://schemas.microsoft.com/office/drawing/2014/main" id="{33C11089-709B-458F-9FF4-2E15CC4C5FDF}"/>
-              </a:ext>
-            </a:extLst>
-          </p:cNvPr>
-          <p:cNvSpPr txBox="1"/>
+          <p:cNvPr id="6" name="Flussdiagramm: Verbinder 3">
+            <a:extLst>
+              <a:ext uri="{FF2B5EF4-FFF2-40B4-BE49-F238E27FC236}">
+                <a16:creationId xmlns:a16="http://schemas.microsoft.com/office/drawing/2014/main" id="{1E349579-262A-550C-1A2B-7B25963678B6}"/>
+              </a:ext>
+            </a:extLst>
+          </p:cNvPr>
+          <p:cNvSpPr>
+            <a:spLocks/>
+          </p:cNvSpPr>
           <p:nvPr/>
         </p:nvSpPr>
         <p:spPr>
           <a:xfrm>
-            <a:off x="3359019" y="416195"/>
-            <a:ext cx="7703976" cy="369332"/>
+            <a:off x="8429243" y="2051206"/>
+            <a:ext cx="288000" cy="288000"/>
           </a:xfrm>
-          <a:prstGeom prst="rect">
+          <a:prstGeom prst="flowChartConnector">
             <a:avLst/>
           </a:prstGeom>
-          <a:noFill/>
+          <a:solidFill>
+            <a:schemeClr val="accent6">
+              <a:lumMod val="40000"/>
+              <a:lumOff val="60000"/>
+            </a:schemeClr>
+          </a:solidFill>
+          <a:ln w="19050">
+            <a:solidFill>
+              <a:srgbClr val="00B050"/>
+            </a:solidFill>
+          </a:ln>
         </p:spPr>
         <p:txBody>
-          <a:bodyPr wrap="square" rtlCol="0">
+          <a:bodyPr wrap="square" rtlCol="0" anchor="ctr">
             <a:spAutoFit/>
           </a:bodyPr>
           <a:lstStyle/>
           <a:p>
+            <a:pPr algn="ctr"/>
+            <a:r>
+              <a:rPr lang="de-DE" dirty="0">
+                <a:solidFill>
+                  <a:schemeClr val="tx1"/>
+                </a:solidFill>
+              </a:rPr>
+              <a:t>1</a:t>
+            </a:r>
+          </a:p>
+        </p:txBody>
+      </p:sp>
+      <p:sp>
+        <p:nvSpPr>
+          <p:cNvPr id="7" name="Flussdiagramm: Verbinder 4">
+            <a:extLst>
+              <a:ext uri="{FF2B5EF4-FFF2-40B4-BE49-F238E27FC236}">
+                <a16:creationId xmlns:a16="http://schemas.microsoft.com/office/drawing/2014/main" id="{466DEB53-AC47-FBF1-E894-E9C9C76B26B3}"/>
+              </a:ext>
+            </a:extLst>
+          </p:cNvPr>
+          <p:cNvSpPr>
+            <a:spLocks/>
+          </p:cNvSpPr>
+          <p:nvPr/>
+        </p:nvSpPr>
+        <p:spPr>
+          <a:xfrm>
+            <a:off x="4809312" y="3585593"/>
+            <a:ext cx="288000" cy="288000"/>
+          </a:xfrm>
+          <a:prstGeom prst="flowChartConnector">
+            <a:avLst/>
+          </a:prstGeom>
+          <a:solidFill>
+            <a:schemeClr val="accent6">
+              <a:lumMod val="40000"/>
+              <a:lumOff val="60000"/>
+            </a:schemeClr>
+          </a:solidFill>
+          <a:ln w="19050">
+            <a:solidFill>
+              <a:srgbClr val="00B050"/>
+            </a:solidFill>
+          </a:ln>
+        </p:spPr>
+        <p:txBody>
+          <a:bodyPr wrap="square" rtlCol="0" anchor="ctr">
+            <a:spAutoFit/>
+          </a:bodyPr>
+          <a:lstStyle/>
+          <a:p>
+            <a:pPr algn="ctr"/>
             <a:r>
               <a:rPr lang="de-DE" dirty="0"/>
-              <a:t>Bei design </a:t>
-            </a:r>
-            <a:r>
-              <a:rPr lang="de-DE" dirty="0" err="1"/>
-              <a:t>änderungen</a:t>
-            </a:r>
+              <a:t>2</a:t>
+            </a:r>
+            <a:endParaRPr lang="de-DE" dirty="0">
+              <a:solidFill>
+                <a:schemeClr val="tx1"/>
+              </a:solidFill>
+            </a:endParaRPr>
+          </a:p>
+        </p:txBody>
+      </p:sp>
+      <p:sp>
+        <p:nvSpPr>
+          <p:cNvPr id="9" name="Flussdiagramm: Verbinder 5">
+            <a:extLst>
+              <a:ext uri="{FF2B5EF4-FFF2-40B4-BE49-F238E27FC236}">
+                <a16:creationId xmlns:a16="http://schemas.microsoft.com/office/drawing/2014/main" id="{76E68C8F-2FF4-F7AC-8984-DEEB0DA243EB}"/>
+              </a:ext>
+            </a:extLst>
+          </p:cNvPr>
+          <p:cNvSpPr>
+            <a:spLocks/>
+          </p:cNvSpPr>
+          <p:nvPr/>
+        </p:nvSpPr>
+        <p:spPr>
+          <a:xfrm>
+            <a:off x="8050155" y="3585593"/>
+            <a:ext cx="288000" cy="288000"/>
+          </a:xfrm>
+          <a:prstGeom prst="flowChartConnector">
+            <a:avLst/>
+          </a:prstGeom>
+          <a:solidFill>
+            <a:schemeClr val="accent6">
+              <a:lumMod val="40000"/>
+              <a:lumOff val="60000"/>
+            </a:schemeClr>
+          </a:solidFill>
+          <a:ln w="19050">
+            <a:solidFill>
+              <a:srgbClr val="00B050"/>
+            </a:solidFill>
+          </a:ln>
+        </p:spPr>
+        <p:txBody>
+          <a:bodyPr wrap="square" rtlCol="0" anchor="ctr">
+            <a:spAutoFit/>
+          </a:bodyPr>
+          <a:lstStyle/>
+          <a:p>
+            <a:pPr algn="ctr"/>
             <a:r>
               <a:rPr lang="de-DE" dirty="0"/>
-              <a:t> in </a:t>
-            </a:r>
-            <a:r>
-              <a:rPr lang="de-DE" dirty="0" err="1"/>
-              <a:t>eclipse</a:t>
-            </a:r>
+              <a:t>3</a:t>
+            </a:r>
+            <a:endParaRPr lang="de-DE" dirty="0">
+              <a:solidFill>
+                <a:schemeClr val="tx1"/>
+              </a:solidFill>
+            </a:endParaRPr>
+          </a:p>
+        </p:txBody>
+      </p:sp>
+      <p:sp>
+        <p:nvSpPr>
+          <p:cNvPr id="10" name="Flussdiagramm: Verbinder 6">
+            <a:extLst>
+              <a:ext uri="{FF2B5EF4-FFF2-40B4-BE49-F238E27FC236}">
+                <a16:creationId xmlns:a16="http://schemas.microsoft.com/office/drawing/2014/main" id="{D4F2BA13-21F2-F02E-1BF5-DFB548E3D26D}"/>
+              </a:ext>
+            </a:extLst>
+          </p:cNvPr>
+          <p:cNvSpPr>
+            <a:spLocks/>
+          </p:cNvSpPr>
+          <p:nvPr/>
+        </p:nvSpPr>
+        <p:spPr>
+          <a:xfrm>
+            <a:off x="3991639" y="5051328"/>
+            <a:ext cx="288000" cy="288000"/>
+          </a:xfrm>
+          <a:prstGeom prst="flowChartConnector">
+            <a:avLst/>
+          </a:prstGeom>
+          <a:solidFill>
+            <a:schemeClr val="accent6">
+              <a:lumMod val="40000"/>
+              <a:lumOff val="60000"/>
+            </a:schemeClr>
+          </a:solidFill>
+          <a:ln w="19050">
+            <a:solidFill>
+              <a:srgbClr val="00B050"/>
+            </a:solidFill>
+          </a:ln>
+        </p:spPr>
+        <p:txBody>
+          <a:bodyPr wrap="square" rtlCol="0" anchor="ctr">
+            <a:spAutoFit/>
+          </a:bodyPr>
+          <a:lstStyle/>
+          <a:p>
+            <a:pPr algn="ctr"/>
             <a:r>
               <a:rPr lang="de-DE" dirty="0"/>
-              <a:t> </a:t>
-            </a:r>
+              <a:t>4</a:t>
+            </a:r>
+            <a:endParaRPr lang="de-DE" dirty="0">
+              <a:solidFill>
+                <a:schemeClr val="tx1"/>
+              </a:solidFill>
+            </a:endParaRPr>
+          </a:p>
+        </p:txBody>
+      </p:sp>
+      <p:sp>
+        <p:nvSpPr>
+          <p:cNvPr id="11" name="Flussdiagramm: Verbinder 7">
+            <a:extLst>
+              <a:ext uri="{FF2B5EF4-FFF2-40B4-BE49-F238E27FC236}">
+                <a16:creationId xmlns:a16="http://schemas.microsoft.com/office/drawing/2014/main" id="{B224E267-9557-4401-6BA4-D291711F6417}"/>
+              </a:ext>
+            </a:extLst>
+          </p:cNvPr>
+          <p:cNvSpPr>
+            <a:spLocks/>
+          </p:cNvSpPr>
+          <p:nvPr/>
+        </p:nvSpPr>
+        <p:spPr>
+          <a:xfrm>
+            <a:off x="8141243" y="859789"/>
+            <a:ext cx="288000" cy="288000"/>
+          </a:xfrm>
+          <a:prstGeom prst="flowChartConnector">
+            <a:avLst/>
+          </a:prstGeom>
+          <a:solidFill>
+            <a:schemeClr val="accent6">
+              <a:lumMod val="40000"/>
+              <a:lumOff val="60000"/>
+            </a:schemeClr>
+          </a:solidFill>
+          <a:ln w="19050">
+            <a:solidFill>
+              <a:srgbClr val="00B050"/>
+            </a:solidFill>
+          </a:ln>
+        </p:spPr>
+        <p:txBody>
+          <a:bodyPr wrap="square" rtlCol="0" anchor="ctr">
+            <a:spAutoFit/>
+          </a:bodyPr>
+          <a:lstStyle/>
+          <a:p>
+            <a:pPr algn="ctr"/>
             <a:r>
               <a:rPr lang="de-DE" dirty="0">
-                <a:sym typeface="Wingdings" panose="05000000000000000000" pitchFamily="2" charset="2"/>
+                <a:solidFill>
+                  <a:schemeClr val="tx1"/>
+                </a:solidFill>
               </a:rPr>
-              <a:t> </a:t>
-            </a:r>
-            <a:r>
-              <a:rPr lang="de-DE" dirty="0"/>
-              <a:t>neues Bild hochladen!</a:t>
+              <a:t>5</a:t>
             </a:r>
           </a:p>
         </p:txBody>
@@ -4222,7 +4433,7 @@
     </p:spTree>
     <p:extLst>
       <p:ext uri="{BB962C8B-B14F-4D97-AF65-F5344CB8AC3E}">
-        <p14:creationId xmlns:p14="http://schemas.microsoft.com/office/powerpoint/2010/main" val="1759623222"/>
+        <p14:creationId xmlns:p14="http://schemas.microsoft.com/office/powerpoint/2010/main" val="761672023"/>
       </p:ext>
     </p:extLst>
   </p:cSld>
@@ -4249,30 +4460,97 @@
           <a:chExt cx="0" cy="0"/>
         </a:xfrm>
       </p:grpSpPr>
+      <p:sp>
+        <p:nvSpPr>
+          <p:cNvPr id="8" name="Textfeld 7">
+            <a:extLst>
+              <a:ext uri="{FF2B5EF4-FFF2-40B4-BE49-F238E27FC236}">
+                <a16:creationId xmlns:a16="http://schemas.microsoft.com/office/drawing/2014/main" id="{33C11089-709B-458F-9FF4-2E15CC4C5FDF}"/>
+              </a:ext>
+            </a:extLst>
+          </p:cNvPr>
+          <p:cNvSpPr txBox="1"/>
+          <p:nvPr/>
+        </p:nvSpPr>
+        <p:spPr>
+          <a:xfrm>
+            <a:off x="3359019" y="416195"/>
+            <a:ext cx="7703976" cy="369332"/>
+          </a:xfrm>
+          <a:prstGeom prst="rect">
+            <a:avLst/>
+          </a:prstGeom>
+          <a:noFill/>
+        </p:spPr>
+        <p:txBody>
+          <a:bodyPr wrap="square" rtlCol="0">
+            <a:spAutoFit/>
+          </a:bodyPr>
+          <a:lstStyle/>
+          <a:p>
+            <a:r>
+              <a:rPr lang="de-DE" dirty="0"/>
+              <a:t>Bei design </a:t>
+            </a:r>
+            <a:r>
+              <a:rPr lang="de-DE" dirty="0" err="1"/>
+              <a:t>änderungen</a:t>
+            </a:r>
+            <a:r>
+              <a:rPr lang="de-DE" dirty="0"/>
+              <a:t> in </a:t>
+            </a:r>
+            <a:r>
+              <a:rPr lang="de-DE" dirty="0" err="1"/>
+              <a:t>eclipse</a:t>
+            </a:r>
+            <a:r>
+              <a:rPr lang="de-DE" dirty="0"/>
+              <a:t> </a:t>
+            </a:r>
+            <a:r>
+              <a:rPr lang="de-DE" dirty="0">
+                <a:sym typeface="Wingdings" panose="05000000000000000000" pitchFamily="2" charset="2"/>
+              </a:rPr>
+              <a:t> </a:t>
+            </a:r>
+            <a:r>
+              <a:rPr lang="de-DE" dirty="0"/>
+              <a:t>neues Bild hochladen!</a:t>
+            </a:r>
+          </a:p>
+        </p:txBody>
+      </p:sp>
       <p:pic>
         <p:nvPicPr>
-          <p:cNvPr id="3" name="Grafik 2">
-            <a:extLst>
-              <a:ext uri="{FF2B5EF4-FFF2-40B4-BE49-F238E27FC236}">
-                <a16:creationId xmlns:a16="http://schemas.microsoft.com/office/drawing/2014/main" id="{4552894E-85E8-499C-9F08-0542F5B14213}"/>
+          <p:cNvPr id="3" name="Grafik 2" descr="Ein Bild, das Text enthält.&#10;&#10;Automatisch generierte Beschreibung">
+            <a:extLst>
+              <a:ext uri="{FF2B5EF4-FFF2-40B4-BE49-F238E27FC236}">
+                <a16:creationId xmlns:a16="http://schemas.microsoft.com/office/drawing/2014/main" id="{46B2B62B-99F0-F5F4-2A96-DD0CE9B79876}"/>
               </a:ext>
             </a:extLst>
           </p:cNvPr>
           <p:cNvPicPr>
-            <a:picLocks noChangeAspect="1"/>
+            <a:picLocks/>
           </p:cNvPicPr>
           <p:nvPr/>
         </p:nvPicPr>
         <p:blipFill>
-          <a:blip r:embed="rId2"/>
+          <a:blip r:embed="rId2">
+            <a:extLst>
+              <a:ext uri="{28A0092B-C50C-407E-A947-70E740481C1C}">
+                <a14:useLocalDpi xmlns:a14="http://schemas.microsoft.com/office/drawing/2010/main" val="0"/>
+              </a:ext>
+            </a:extLst>
+          </a:blip>
           <a:stretch>
             <a:fillRect/>
           </a:stretch>
         </p:blipFill>
         <p:spPr>
           <a:xfrm>
-            <a:off x="2929615" y="1188526"/>
-            <a:ext cx="6332769" cy="4480948"/>
+            <a:off x="1508383" y="364562"/>
+            <a:ext cx="8834400" cy="5853600"/>
           </a:xfrm>
           <a:prstGeom prst="rect">
             <a:avLst/>
@@ -4284,40 +4562,366 @@
           </a:ln>
         </p:spPr>
       </p:pic>
-      <p:pic>
-        <p:nvPicPr>
-          <p:cNvPr id="4" name="Grafik 3">
-            <a:extLst>
-              <a:ext uri="{FF2B5EF4-FFF2-40B4-BE49-F238E27FC236}">
-                <a16:creationId xmlns:a16="http://schemas.microsoft.com/office/drawing/2014/main" id="{E1A53538-1223-4819-810B-78221D52C058}"/>
-              </a:ext>
-            </a:extLst>
-          </p:cNvPr>
-          <p:cNvPicPr>
-            <a:picLocks noChangeAspect="1"/>
-          </p:cNvPicPr>
+      <p:sp>
+        <p:nvSpPr>
+          <p:cNvPr id="12" name="Flussdiagramm: Verbinder 3">
+            <a:extLst>
+              <a:ext uri="{FF2B5EF4-FFF2-40B4-BE49-F238E27FC236}">
+                <a16:creationId xmlns:a16="http://schemas.microsoft.com/office/drawing/2014/main" id="{673B26CF-EF56-A577-AF87-0A47ABE96AC0}"/>
+              </a:ext>
+            </a:extLst>
+          </p:cNvPr>
+          <p:cNvSpPr>
+            <a:spLocks/>
+          </p:cNvSpPr>
           <p:nvPr/>
-        </p:nvPicPr>
-        <p:blipFill>
-          <a:blip r:embed="rId3"/>
-          <a:stretch>
-            <a:fillRect/>
-          </a:stretch>
-        </p:blipFill>
+        </p:nvSpPr>
         <p:spPr>
           <a:xfrm>
-            <a:off x="3356942" y="389189"/>
-            <a:ext cx="7754784" cy="499915"/>
+            <a:off x="1849217" y="2587118"/>
+            <a:ext cx="788400" cy="424800"/>
           </a:xfrm>
-          <a:prstGeom prst="rect">
+          <a:prstGeom prst="flowChartConnector">
             <a:avLst/>
           </a:prstGeom>
+          <a:solidFill>
+            <a:schemeClr val="accent6">
+              <a:lumMod val="40000"/>
+              <a:lumOff val="60000"/>
+            </a:schemeClr>
+          </a:solidFill>
+          <a:ln w="19050">
+            <a:solidFill>
+              <a:srgbClr val="00B050"/>
+            </a:solidFill>
+          </a:ln>
         </p:spPr>
-      </p:pic>
+        <p:txBody>
+          <a:bodyPr wrap="square" rtlCol="0" anchor="ctr">
+            <a:spAutoFit/>
+          </a:bodyPr>
+          <a:lstStyle/>
+          <a:p>
+            <a:pPr algn="ctr"/>
+            <a:r>
+              <a:rPr lang="de-DE" sz="1400" dirty="0">
+                <a:solidFill>
+                  <a:schemeClr val="tx1"/>
+                </a:solidFill>
+              </a:rPr>
+              <a:t>1.1</a:t>
+            </a:r>
+          </a:p>
+        </p:txBody>
+      </p:sp>
+      <p:sp>
+        <p:nvSpPr>
+          <p:cNvPr id="20" name="Flussdiagramm: Verbinder 7">
+            <a:extLst>
+              <a:ext uri="{FF2B5EF4-FFF2-40B4-BE49-F238E27FC236}">
+                <a16:creationId xmlns:a16="http://schemas.microsoft.com/office/drawing/2014/main" id="{42CD0314-790D-7F2E-6086-D46827FD912B}"/>
+              </a:ext>
+            </a:extLst>
+          </p:cNvPr>
+          <p:cNvSpPr>
+            <a:spLocks/>
+          </p:cNvSpPr>
+          <p:nvPr/>
+        </p:nvSpPr>
+        <p:spPr>
+          <a:xfrm>
+            <a:off x="7914355" y="641527"/>
+            <a:ext cx="288000" cy="288000"/>
+          </a:xfrm>
+          <a:prstGeom prst="flowChartConnector">
+            <a:avLst/>
+          </a:prstGeom>
+          <a:solidFill>
+            <a:schemeClr val="accent6">
+              <a:lumMod val="40000"/>
+              <a:lumOff val="60000"/>
+            </a:schemeClr>
+          </a:solidFill>
+          <a:ln w="19050">
+            <a:solidFill>
+              <a:srgbClr val="00B050"/>
+            </a:solidFill>
+          </a:ln>
+        </p:spPr>
+        <p:txBody>
+          <a:bodyPr wrap="square" rtlCol="0" anchor="ctr">
+            <a:spAutoFit/>
+          </a:bodyPr>
+          <a:lstStyle/>
+          <a:p>
+            <a:pPr algn="ctr"/>
+            <a:r>
+              <a:rPr lang="de-DE" dirty="0">
+                <a:solidFill>
+                  <a:schemeClr val="tx1"/>
+                </a:solidFill>
+              </a:rPr>
+              <a:t>5</a:t>
+            </a:r>
+          </a:p>
+        </p:txBody>
+      </p:sp>
+      <p:sp>
+        <p:nvSpPr>
+          <p:cNvPr id="21" name="Flussdiagramm: Verbinder 6">
+            <a:extLst>
+              <a:ext uri="{FF2B5EF4-FFF2-40B4-BE49-F238E27FC236}">
+                <a16:creationId xmlns:a16="http://schemas.microsoft.com/office/drawing/2014/main" id="{B9F07B09-E27F-7EFC-ECD7-249D61603F5F}"/>
+              </a:ext>
+            </a:extLst>
+          </p:cNvPr>
+          <p:cNvSpPr>
+            <a:spLocks/>
+          </p:cNvSpPr>
+          <p:nvPr/>
+        </p:nvSpPr>
+        <p:spPr>
+          <a:xfrm>
+            <a:off x="3835522" y="4895211"/>
+            <a:ext cx="288000" cy="288000"/>
+          </a:xfrm>
+          <a:prstGeom prst="flowChartConnector">
+            <a:avLst/>
+          </a:prstGeom>
+          <a:solidFill>
+            <a:schemeClr val="accent6">
+              <a:lumMod val="40000"/>
+              <a:lumOff val="60000"/>
+            </a:schemeClr>
+          </a:solidFill>
+          <a:ln w="19050">
+            <a:solidFill>
+              <a:srgbClr val="00B050"/>
+            </a:solidFill>
+          </a:ln>
+        </p:spPr>
+        <p:txBody>
+          <a:bodyPr wrap="square" rtlCol="0" anchor="ctr">
+            <a:spAutoFit/>
+          </a:bodyPr>
+          <a:lstStyle/>
+          <a:p>
+            <a:pPr algn="ctr"/>
+            <a:r>
+              <a:rPr lang="de-DE" dirty="0"/>
+              <a:t>4</a:t>
+            </a:r>
+            <a:endParaRPr lang="de-DE" dirty="0">
+              <a:solidFill>
+                <a:schemeClr val="tx1"/>
+              </a:solidFill>
+            </a:endParaRPr>
+          </a:p>
+        </p:txBody>
+      </p:sp>
+      <p:sp>
+        <p:nvSpPr>
+          <p:cNvPr id="24" name="Geschweifte Klammer links 23">
+            <a:extLst>
+              <a:ext uri="{FF2B5EF4-FFF2-40B4-BE49-F238E27FC236}">
+                <a16:creationId xmlns:a16="http://schemas.microsoft.com/office/drawing/2014/main" id="{9FE3FD36-A847-82A5-985B-4184B249B615}"/>
+              </a:ext>
+            </a:extLst>
+          </p:cNvPr>
+          <p:cNvSpPr/>
+          <p:nvPr/>
+        </p:nvSpPr>
+        <p:spPr>
+          <a:xfrm>
+            <a:off x="2832920" y="1769096"/>
+            <a:ext cx="526099" cy="2060845"/>
+          </a:xfrm>
+          <a:prstGeom prst="leftBrace">
+            <a:avLst>
+              <a:gd name="adj1" fmla="val 8333"/>
+              <a:gd name="adj2" fmla="val 49534"/>
+            </a:avLst>
+          </a:prstGeom>
+          <a:ln w="28575">
+            <a:solidFill>
+              <a:srgbClr val="00B050"/>
+            </a:solidFill>
+            <a:extLst>
+              <a:ext uri="{C807C97D-BFC1-408E-A445-0C87EB9F89A2}">
+                <ask:lineSketchStyleProps xmlns:ask="http://schemas.microsoft.com/office/drawing/2018/sketchyshapes" sd="1219033472">
+                  <a:custGeom>
+                    <a:avLst/>
+                    <a:gdLst>
+                      <a:gd name="connsiteX0" fmla="*/ 526099 w 526099"/>
+                      <a:gd name="connsiteY0" fmla="*/ 1951463 h 1951463"/>
+                      <a:gd name="connsiteX1" fmla="*/ 263049 w 526099"/>
+                      <a:gd name="connsiteY1" fmla="*/ 1907623 h 1951463"/>
+                      <a:gd name="connsiteX2" fmla="*/ 263050 w 526099"/>
+                      <a:gd name="connsiteY2" fmla="*/ 1019571 h 1951463"/>
+                      <a:gd name="connsiteX3" fmla="*/ 0 w 526099"/>
+                      <a:gd name="connsiteY3" fmla="*/ 975731 h 1951463"/>
+                      <a:gd name="connsiteX4" fmla="*/ 263050 w 526099"/>
+                      <a:gd name="connsiteY4" fmla="*/ 931891 h 1951463"/>
+                      <a:gd name="connsiteX5" fmla="*/ 263050 w 526099"/>
+                      <a:gd name="connsiteY5" fmla="*/ 43840 h 1951463"/>
+                      <a:gd name="connsiteX6" fmla="*/ 526100 w 526099"/>
+                      <a:gd name="connsiteY6" fmla="*/ 0 h 1951463"/>
+                      <a:gd name="connsiteX7" fmla="*/ 526099 w 526099"/>
+                      <a:gd name="connsiteY7" fmla="*/ 1951463 h 1951463"/>
+                      <a:gd name="connsiteX0" fmla="*/ 526099 w 526099"/>
+                      <a:gd name="connsiteY0" fmla="*/ 1951463 h 1951463"/>
+                      <a:gd name="connsiteX1" fmla="*/ 263049 w 526099"/>
+                      <a:gd name="connsiteY1" fmla="*/ 1907623 h 1951463"/>
+                      <a:gd name="connsiteX2" fmla="*/ 263050 w 526099"/>
+                      <a:gd name="connsiteY2" fmla="*/ 1019571 h 1951463"/>
+                      <a:gd name="connsiteX3" fmla="*/ 0 w 526099"/>
+                      <a:gd name="connsiteY3" fmla="*/ 975731 h 1951463"/>
+                      <a:gd name="connsiteX4" fmla="*/ 263050 w 526099"/>
+                      <a:gd name="connsiteY4" fmla="*/ 931891 h 1951463"/>
+                      <a:gd name="connsiteX5" fmla="*/ 263050 w 526099"/>
+                      <a:gd name="connsiteY5" fmla="*/ 43840 h 1951463"/>
+                      <a:gd name="connsiteX6" fmla="*/ 526100 w 526099"/>
+                      <a:gd name="connsiteY6" fmla="*/ 0 h 1951463"/>
+                    </a:gdLst>
+                    <a:ahLst/>
+                    <a:cxnLst>
+                      <a:cxn ang="0">
+                        <a:pos x="connsiteX0" y="connsiteY0"/>
+                      </a:cxn>
+                      <a:cxn ang="0">
+                        <a:pos x="connsiteX1" y="connsiteY1"/>
+                      </a:cxn>
+                      <a:cxn ang="0">
+                        <a:pos x="connsiteX2" y="connsiteY2"/>
+                      </a:cxn>
+                      <a:cxn ang="0">
+                        <a:pos x="connsiteX3" y="connsiteY3"/>
+                      </a:cxn>
+                      <a:cxn ang="0">
+                        <a:pos x="connsiteX4" y="connsiteY4"/>
+                      </a:cxn>
+                      <a:cxn ang="0">
+                        <a:pos x="connsiteX5" y="connsiteY5"/>
+                      </a:cxn>
+                      <a:cxn ang="0">
+                        <a:pos x="connsiteX6" y="connsiteY6"/>
+                      </a:cxn>
+                    </a:cxnLst>
+                    <a:rect l="l" t="t" r="r" b="b"/>
+                    <a:pathLst>
+                      <a:path w="526099" h="1951463" stroke="0" extrusionOk="0">
+                        <a:moveTo>
+                          <a:pt x="526099" y="1951463"/>
+                        </a:moveTo>
+                        <a:cubicBezTo>
+                          <a:pt x="379348" y="1950555"/>
+                          <a:pt x="260274" y="1932877"/>
+                          <a:pt x="263049" y="1907623"/>
+                        </a:cubicBezTo>
+                        <a:cubicBezTo>
+                          <a:pt x="289178" y="1617107"/>
+                          <a:pt x="228574" y="1316684"/>
+                          <a:pt x="263050" y="1019571"/>
+                        </a:cubicBezTo>
+                        <a:cubicBezTo>
+                          <a:pt x="253843" y="1004350"/>
+                          <a:pt x="142987" y="988401"/>
+                          <a:pt x="0" y="975731"/>
+                        </a:cubicBezTo>
+                        <a:cubicBezTo>
+                          <a:pt x="141243" y="973523"/>
+                          <a:pt x="264481" y="956787"/>
+                          <a:pt x="263050" y="931891"/>
+                        </a:cubicBezTo>
+                        <a:cubicBezTo>
+                          <a:pt x="238218" y="577737"/>
+                          <a:pt x="260434" y="311226"/>
+                          <a:pt x="263050" y="43840"/>
+                        </a:cubicBezTo>
+                        <a:cubicBezTo>
+                          <a:pt x="246395" y="17078"/>
+                          <a:pt x="365910" y="14038"/>
+                          <a:pt x="526100" y="0"/>
+                        </a:cubicBezTo>
+                        <a:cubicBezTo>
+                          <a:pt x="525037" y="640348"/>
+                          <a:pt x="479163" y="1366202"/>
+                          <a:pt x="526099" y="1951463"/>
+                        </a:cubicBezTo>
+                        <a:close/>
+                      </a:path>
+                      <a:path w="526099" h="1951463" fill="none" extrusionOk="0">
+                        <a:moveTo>
+                          <a:pt x="526099" y="1951463"/>
+                        </a:moveTo>
+                        <a:cubicBezTo>
+                          <a:pt x="384776" y="1953678"/>
+                          <a:pt x="266770" y="1932730"/>
+                          <a:pt x="263049" y="1907623"/>
+                        </a:cubicBezTo>
+                        <a:cubicBezTo>
+                          <a:pt x="253248" y="1610021"/>
+                          <a:pt x="288591" y="1336476"/>
+                          <a:pt x="263050" y="1019571"/>
+                        </a:cubicBezTo>
+                        <a:cubicBezTo>
+                          <a:pt x="264119" y="996951"/>
+                          <a:pt x="146957" y="993108"/>
+                          <a:pt x="0" y="975731"/>
+                        </a:cubicBezTo>
+                        <a:cubicBezTo>
+                          <a:pt x="147860" y="979707"/>
+                          <a:pt x="264309" y="957645"/>
+                          <a:pt x="263050" y="931891"/>
+                        </a:cubicBezTo>
+                        <a:cubicBezTo>
+                          <a:pt x="225950" y="804724"/>
+                          <a:pt x="194271" y="431467"/>
+                          <a:pt x="263050" y="43840"/>
+                        </a:cubicBezTo>
+                        <a:cubicBezTo>
+                          <a:pt x="250389" y="21707"/>
+                          <a:pt x="367231" y="-9377"/>
+                          <a:pt x="526100" y="0"/>
+                        </a:cubicBezTo>
+                      </a:path>
+                    </a:pathLst>
+                  </a:custGeom>
+                  <ask:type>
+                    <ask:lineSketchNone/>
+                  </ask:type>
+                </ask:lineSketchStyleProps>
+              </a:ext>
+            </a:extLst>
+          </a:ln>
+        </p:spPr>
+        <p:style>
+          <a:lnRef idx="1">
+            <a:schemeClr val="accent1"/>
+          </a:lnRef>
+          <a:fillRef idx="0">
+            <a:schemeClr val="accent1"/>
+          </a:fillRef>
+          <a:effectRef idx="0">
+            <a:schemeClr val="accent1"/>
+          </a:effectRef>
+          <a:fontRef idx="minor">
+            <a:schemeClr val="tx1"/>
+          </a:fontRef>
+        </p:style>
+        <p:txBody>
+          <a:bodyPr rtlCol="0" anchor="ctr"/>
+          <a:lstStyle/>
+          <a:p>
+            <a:pPr algn="ctr"/>
+            <a:endParaRPr lang="de-DE"/>
+          </a:p>
+        </p:txBody>
+      </p:sp>
     </p:spTree>
     <p:extLst>
       <p:ext uri="{BB962C8B-B14F-4D97-AF65-F5344CB8AC3E}">
-        <p14:creationId xmlns:p14="http://schemas.microsoft.com/office/powerpoint/2010/main" val="1246963199"/>
+        <p14:creationId xmlns:p14="http://schemas.microsoft.com/office/powerpoint/2010/main" val="1759623222"/>
       </p:ext>
     </p:extLst>
   </p:cSld>
@@ -4344,6 +4948,834 @@
           <a:chExt cx="0" cy="0"/>
         </a:xfrm>
       </p:grpSpPr>
+      <p:sp>
+        <p:nvSpPr>
+          <p:cNvPr id="8" name="Textfeld 7">
+            <a:extLst>
+              <a:ext uri="{FF2B5EF4-FFF2-40B4-BE49-F238E27FC236}">
+                <a16:creationId xmlns:a16="http://schemas.microsoft.com/office/drawing/2014/main" id="{33C11089-709B-458F-9FF4-2E15CC4C5FDF}"/>
+              </a:ext>
+            </a:extLst>
+          </p:cNvPr>
+          <p:cNvSpPr txBox="1"/>
+          <p:nvPr/>
+        </p:nvSpPr>
+        <p:spPr>
+          <a:xfrm>
+            <a:off x="3359019" y="416195"/>
+            <a:ext cx="7703976" cy="369332"/>
+          </a:xfrm>
+          <a:prstGeom prst="rect">
+            <a:avLst/>
+          </a:prstGeom>
+          <a:noFill/>
+        </p:spPr>
+        <p:txBody>
+          <a:bodyPr wrap="square" rtlCol="0">
+            <a:spAutoFit/>
+          </a:bodyPr>
+          <a:lstStyle/>
+          <a:p>
+            <a:r>
+              <a:rPr lang="de-DE" dirty="0"/>
+              <a:t>Bei design </a:t>
+            </a:r>
+            <a:r>
+              <a:rPr lang="de-DE" dirty="0" err="1"/>
+              <a:t>änderungen</a:t>
+            </a:r>
+            <a:r>
+              <a:rPr lang="de-DE" dirty="0"/>
+              <a:t> in </a:t>
+            </a:r>
+            <a:r>
+              <a:rPr lang="de-DE" dirty="0" err="1"/>
+              <a:t>eclipse</a:t>
+            </a:r>
+            <a:r>
+              <a:rPr lang="de-DE" dirty="0"/>
+              <a:t> </a:t>
+            </a:r>
+            <a:r>
+              <a:rPr lang="de-DE" dirty="0">
+                <a:sym typeface="Wingdings" panose="05000000000000000000" pitchFamily="2" charset="2"/>
+              </a:rPr>
+              <a:t> </a:t>
+            </a:r>
+            <a:r>
+              <a:rPr lang="de-DE" dirty="0"/>
+              <a:t>neues Bild hochladen!</a:t>
+            </a:r>
+          </a:p>
+        </p:txBody>
+      </p:sp>
+      <p:pic>
+        <p:nvPicPr>
+          <p:cNvPr id="4" name="Grafik 3" descr="Ein Bild, das Text enthält.&#10;&#10;Automatisch generierte Beschreibung">
+            <a:extLst>
+              <a:ext uri="{FF2B5EF4-FFF2-40B4-BE49-F238E27FC236}">
+                <a16:creationId xmlns:a16="http://schemas.microsoft.com/office/drawing/2014/main" id="{28095CA7-F096-4660-49A1-8875E4C5F532}"/>
+              </a:ext>
+            </a:extLst>
+          </p:cNvPr>
+          <p:cNvPicPr>
+            <a:picLocks/>
+          </p:cNvPicPr>
+          <p:nvPr/>
+        </p:nvPicPr>
+        <p:blipFill>
+          <a:blip r:embed="rId2">
+            <a:extLst>
+              <a:ext uri="{28A0092B-C50C-407E-A947-70E740481C1C}">
+                <a14:useLocalDpi xmlns:a14="http://schemas.microsoft.com/office/drawing/2010/main" val="0"/>
+              </a:ext>
+            </a:extLst>
+          </a:blip>
+          <a:stretch>
+            <a:fillRect/>
+          </a:stretch>
+        </p:blipFill>
+        <p:spPr>
+          <a:xfrm>
+            <a:off x="1695000" y="502200"/>
+            <a:ext cx="8802000" cy="5853600"/>
+          </a:xfrm>
+          <a:prstGeom prst="rect">
+            <a:avLst/>
+          </a:prstGeom>
+          <a:solidFill>
+            <a:schemeClr val="accent6">
+              <a:lumMod val="40000"/>
+              <a:lumOff val="60000"/>
+            </a:schemeClr>
+          </a:solidFill>
+          <a:ln>
+            <a:solidFill>
+              <a:schemeClr val="tx1"/>
+            </a:solidFill>
+          </a:ln>
+        </p:spPr>
+      </p:pic>
+      <p:sp>
+        <p:nvSpPr>
+          <p:cNvPr id="20" name="Flussdiagramm: Verbinder 3">
+            <a:extLst>
+              <a:ext uri="{FF2B5EF4-FFF2-40B4-BE49-F238E27FC236}">
+                <a16:creationId xmlns:a16="http://schemas.microsoft.com/office/drawing/2014/main" id="{CAF76A5C-0DA3-7BB0-1772-E3FE1B1B54B4}"/>
+              </a:ext>
+            </a:extLst>
+          </p:cNvPr>
+          <p:cNvSpPr>
+            <a:spLocks/>
+          </p:cNvSpPr>
+          <p:nvPr/>
+        </p:nvSpPr>
+        <p:spPr>
+          <a:xfrm>
+            <a:off x="8429243" y="2051206"/>
+            <a:ext cx="288000" cy="288000"/>
+          </a:xfrm>
+          <a:prstGeom prst="flowChartConnector">
+            <a:avLst/>
+          </a:prstGeom>
+          <a:solidFill>
+            <a:schemeClr val="accent6">
+              <a:lumMod val="40000"/>
+              <a:lumOff val="60000"/>
+            </a:schemeClr>
+          </a:solidFill>
+          <a:ln w="19050">
+            <a:solidFill>
+              <a:srgbClr val="00B050"/>
+            </a:solidFill>
+          </a:ln>
+        </p:spPr>
+        <p:txBody>
+          <a:bodyPr wrap="square" rtlCol="0" anchor="ctr">
+            <a:spAutoFit/>
+          </a:bodyPr>
+          <a:lstStyle/>
+          <a:p>
+            <a:pPr algn="ctr"/>
+            <a:r>
+              <a:rPr lang="de-DE" dirty="0">
+                <a:solidFill>
+                  <a:schemeClr val="tx1"/>
+                </a:solidFill>
+              </a:rPr>
+              <a:t>1</a:t>
+            </a:r>
+          </a:p>
+        </p:txBody>
+      </p:sp>
+      <p:sp>
+        <p:nvSpPr>
+          <p:cNvPr id="21" name="Flussdiagramm: Verbinder 4">
+            <a:extLst>
+              <a:ext uri="{FF2B5EF4-FFF2-40B4-BE49-F238E27FC236}">
+                <a16:creationId xmlns:a16="http://schemas.microsoft.com/office/drawing/2014/main" id="{85688F69-2D9D-21B6-60BD-BC97A50A3BF5}"/>
+              </a:ext>
+            </a:extLst>
+          </p:cNvPr>
+          <p:cNvSpPr>
+            <a:spLocks/>
+          </p:cNvSpPr>
+          <p:nvPr/>
+        </p:nvSpPr>
+        <p:spPr>
+          <a:xfrm>
+            <a:off x="4809312" y="3585593"/>
+            <a:ext cx="288000" cy="288000"/>
+          </a:xfrm>
+          <a:prstGeom prst="flowChartConnector">
+            <a:avLst/>
+          </a:prstGeom>
+          <a:solidFill>
+            <a:schemeClr val="accent6">
+              <a:lumMod val="40000"/>
+              <a:lumOff val="60000"/>
+            </a:schemeClr>
+          </a:solidFill>
+          <a:ln w="19050">
+            <a:solidFill>
+              <a:srgbClr val="00B050"/>
+            </a:solidFill>
+          </a:ln>
+        </p:spPr>
+        <p:txBody>
+          <a:bodyPr wrap="square" rtlCol="0" anchor="ctr">
+            <a:spAutoFit/>
+          </a:bodyPr>
+          <a:lstStyle/>
+          <a:p>
+            <a:pPr algn="ctr"/>
+            <a:r>
+              <a:rPr lang="de-DE" dirty="0"/>
+              <a:t>2</a:t>
+            </a:r>
+            <a:endParaRPr lang="de-DE" dirty="0">
+              <a:solidFill>
+                <a:schemeClr val="tx1"/>
+              </a:solidFill>
+            </a:endParaRPr>
+          </a:p>
+        </p:txBody>
+      </p:sp>
+      <p:sp>
+        <p:nvSpPr>
+          <p:cNvPr id="22" name="Flussdiagramm: Verbinder 5">
+            <a:extLst>
+              <a:ext uri="{FF2B5EF4-FFF2-40B4-BE49-F238E27FC236}">
+                <a16:creationId xmlns:a16="http://schemas.microsoft.com/office/drawing/2014/main" id="{911195B5-CC1B-FB9A-09D9-525FE22BF56C}"/>
+              </a:ext>
+            </a:extLst>
+          </p:cNvPr>
+          <p:cNvSpPr>
+            <a:spLocks/>
+          </p:cNvSpPr>
+          <p:nvPr/>
+        </p:nvSpPr>
+        <p:spPr>
+          <a:xfrm>
+            <a:off x="8050155" y="3585593"/>
+            <a:ext cx="288000" cy="288000"/>
+          </a:xfrm>
+          <a:prstGeom prst="flowChartConnector">
+            <a:avLst/>
+          </a:prstGeom>
+          <a:solidFill>
+            <a:schemeClr val="accent6">
+              <a:lumMod val="40000"/>
+              <a:lumOff val="60000"/>
+            </a:schemeClr>
+          </a:solidFill>
+          <a:ln w="19050">
+            <a:solidFill>
+              <a:srgbClr val="00B050"/>
+            </a:solidFill>
+          </a:ln>
+        </p:spPr>
+        <p:txBody>
+          <a:bodyPr wrap="square" rtlCol="0" anchor="ctr">
+            <a:spAutoFit/>
+          </a:bodyPr>
+          <a:lstStyle/>
+          <a:p>
+            <a:pPr algn="ctr"/>
+            <a:r>
+              <a:rPr lang="de-DE" dirty="0"/>
+              <a:t>3</a:t>
+            </a:r>
+            <a:endParaRPr lang="de-DE" dirty="0">
+              <a:solidFill>
+                <a:schemeClr val="tx1"/>
+              </a:solidFill>
+            </a:endParaRPr>
+          </a:p>
+        </p:txBody>
+      </p:sp>
+      <p:sp>
+        <p:nvSpPr>
+          <p:cNvPr id="23" name="Flussdiagramm: Verbinder 6">
+            <a:extLst>
+              <a:ext uri="{FF2B5EF4-FFF2-40B4-BE49-F238E27FC236}">
+                <a16:creationId xmlns:a16="http://schemas.microsoft.com/office/drawing/2014/main" id="{7B726D76-5F14-1FDE-C80E-4C5383AD9292}"/>
+              </a:ext>
+            </a:extLst>
+          </p:cNvPr>
+          <p:cNvSpPr>
+            <a:spLocks/>
+          </p:cNvSpPr>
+          <p:nvPr/>
+        </p:nvSpPr>
+        <p:spPr>
+          <a:xfrm>
+            <a:off x="3991639" y="5051328"/>
+            <a:ext cx="288000" cy="288000"/>
+          </a:xfrm>
+          <a:prstGeom prst="flowChartConnector">
+            <a:avLst/>
+          </a:prstGeom>
+          <a:solidFill>
+            <a:schemeClr val="accent6">
+              <a:lumMod val="40000"/>
+              <a:lumOff val="60000"/>
+            </a:schemeClr>
+          </a:solidFill>
+          <a:ln w="19050">
+            <a:solidFill>
+              <a:srgbClr val="00B050"/>
+            </a:solidFill>
+          </a:ln>
+        </p:spPr>
+        <p:txBody>
+          <a:bodyPr wrap="square" rtlCol="0" anchor="ctr">
+            <a:spAutoFit/>
+          </a:bodyPr>
+          <a:lstStyle/>
+          <a:p>
+            <a:pPr algn="ctr"/>
+            <a:r>
+              <a:rPr lang="de-DE" dirty="0"/>
+              <a:t>4</a:t>
+            </a:r>
+            <a:endParaRPr lang="de-DE" dirty="0">
+              <a:solidFill>
+                <a:schemeClr val="tx1"/>
+              </a:solidFill>
+            </a:endParaRPr>
+          </a:p>
+        </p:txBody>
+      </p:sp>
+      <p:sp>
+        <p:nvSpPr>
+          <p:cNvPr id="24" name="Flussdiagramm: Verbinder 7">
+            <a:extLst>
+              <a:ext uri="{FF2B5EF4-FFF2-40B4-BE49-F238E27FC236}">
+                <a16:creationId xmlns:a16="http://schemas.microsoft.com/office/drawing/2014/main" id="{1A4D4DB3-89E9-999F-2E8E-7019B344232C}"/>
+              </a:ext>
+            </a:extLst>
+          </p:cNvPr>
+          <p:cNvSpPr>
+            <a:spLocks/>
+          </p:cNvSpPr>
+          <p:nvPr/>
+        </p:nvSpPr>
+        <p:spPr>
+          <a:xfrm>
+            <a:off x="8050155" y="785527"/>
+            <a:ext cx="288000" cy="288000"/>
+          </a:xfrm>
+          <a:prstGeom prst="flowChartConnector">
+            <a:avLst/>
+          </a:prstGeom>
+          <a:solidFill>
+            <a:schemeClr val="accent6">
+              <a:lumMod val="40000"/>
+              <a:lumOff val="60000"/>
+            </a:schemeClr>
+          </a:solidFill>
+          <a:ln w="19050">
+            <a:solidFill>
+              <a:srgbClr val="00B050"/>
+            </a:solidFill>
+          </a:ln>
+        </p:spPr>
+        <p:txBody>
+          <a:bodyPr wrap="square" rtlCol="0" anchor="ctr">
+            <a:spAutoFit/>
+          </a:bodyPr>
+          <a:lstStyle/>
+          <a:p>
+            <a:pPr algn="ctr"/>
+            <a:r>
+              <a:rPr lang="de-DE" dirty="0">
+                <a:solidFill>
+                  <a:schemeClr val="tx1"/>
+                </a:solidFill>
+              </a:rPr>
+              <a:t>5</a:t>
+            </a:r>
+          </a:p>
+        </p:txBody>
+      </p:sp>
+    </p:spTree>
+    <p:extLst>
+      <p:ext uri="{BB962C8B-B14F-4D97-AF65-F5344CB8AC3E}">
+        <p14:creationId xmlns:p14="http://schemas.microsoft.com/office/powerpoint/2010/main" val="1776000436"/>
+      </p:ext>
+    </p:extLst>
+  </p:cSld>
+  <p:clrMapOvr>
+    <a:masterClrMapping/>
+  </p:clrMapOvr>
+</p:sld>
+</file>
+
+<file path=ppt/slides/slide6.xml><?xml version="1.0" encoding="utf-8"?>
+<p:sld xmlns:a="http://schemas.openxmlformats.org/drawingml/2006/main" xmlns:r="http://schemas.openxmlformats.org/officeDocument/2006/relationships" xmlns:p="http://schemas.openxmlformats.org/presentationml/2006/main">
+  <p:cSld>
+    <p:spTree>
+      <p:nvGrpSpPr>
+        <p:cNvPr id="1" name=""/>
+        <p:cNvGrpSpPr/>
+        <p:nvPr/>
+      </p:nvGrpSpPr>
+      <p:grpSpPr>
+        <a:xfrm>
+          <a:off x="0" y="0"/>
+          <a:ext cx="0" cy="0"/>
+          <a:chOff x="0" y="0"/>
+          <a:chExt cx="0" cy="0"/>
+        </a:xfrm>
+      </p:grpSpPr>
+      <p:pic>
+        <p:nvPicPr>
+          <p:cNvPr id="14" name="Grafik 13" descr="Ein Bild, das Text enthält.&#10;&#10;Automatisch generierte Beschreibung">
+            <a:extLst>
+              <a:ext uri="{FF2B5EF4-FFF2-40B4-BE49-F238E27FC236}">
+                <a16:creationId xmlns:a16="http://schemas.microsoft.com/office/drawing/2014/main" id="{830AD59C-C0C3-361B-26EB-3CE5B6414AC2}"/>
+              </a:ext>
+            </a:extLst>
+          </p:cNvPr>
+          <p:cNvPicPr>
+            <a:picLocks noChangeAspect="1"/>
+          </p:cNvPicPr>
+          <p:nvPr/>
+        </p:nvPicPr>
+        <p:blipFill>
+          <a:blip r:embed="rId2">
+            <a:extLst>
+              <a:ext uri="{28A0092B-C50C-407E-A947-70E740481C1C}">
+                <a14:useLocalDpi xmlns:a14="http://schemas.microsoft.com/office/drawing/2010/main" val="0"/>
+              </a:ext>
+            </a:extLst>
+          </a:blip>
+          <a:stretch>
+            <a:fillRect/>
+          </a:stretch>
+        </p:blipFill>
+        <p:spPr>
+          <a:xfrm>
+            <a:off x="1674553" y="502200"/>
+            <a:ext cx="8842893" cy="5853600"/>
+          </a:xfrm>
+          <a:prstGeom prst="rect">
+            <a:avLst/>
+          </a:prstGeom>
+          <a:ln>
+            <a:solidFill>
+              <a:schemeClr val="tx1"/>
+            </a:solidFill>
+          </a:ln>
+        </p:spPr>
+      </p:pic>
+      <p:sp>
+        <p:nvSpPr>
+          <p:cNvPr id="19" name="Flussdiagramm: Verbinder 3">
+            <a:extLst>
+              <a:ext uri="{FF2B5EF4-FFF2-40B4-BE49-F238E27FC236}">
+                <a16:creationId xmlns:a16="http://schemas.microsoft.com/office/drawing/2014/main" id="{D9C2A601-7718-B71D-364B-BAB690BBA0D8}"/>
+              </a:ext>
+            </a:extLst>
+          </p:cNvPr>
+          <p:cNvSpPr>
+            <a:spLocks/>
+          </p:cNvSpPr>
+          <p:nvPr/>
+        </p:nvSpPr>
+        <p:spPr>
+          <a:xfrm>
+            <a:off x="2094544" y="2464454"/>
+            <a:ext cx="788400" cy="424800"/>
+          </a:xfrm>
+          <a:prstGeom prst="flowChartConnector">
+            <a:avLst/>
+          </a:prstGeom>
+          <a:solidFill>
+            <a:schemeClr val="accent6">
+              <a:lumMod val="40000"/>
+              <a:lumOff val="60000"/>
+            </a:schemeClr>
+          </a:solidFill>
+          <a:ln w="19050">
+            <a:solidFill>
+              <a:srgbClr val="00B050"/>
+            </a:solidFill>
+          </a:ln>
+        </p:spPr>
+        <p:txBody>
+          <a:bodyPr wrap="square" rtlCol="0" anchor="ctr">
+            <a:spAutoFit/>
+          </a:bodyPr>
+          <a:lstStyle/>
+          <a:p>
+            <a:pPr algn="ctr"/>
+            <a:r>
+              <a:rPr lang="de-DE" sz="1400" dirty="0">
+                <a:solidFill>
+                  <a:schemeClr val="tx1"/>
+                </a:solidFill>
+              </a:rPr>
+              <a:t>1.1</a:t>
+            </a:r>
+          </a:p>
+        </p:txBody>
+      </p:sp>
+      <p:sp>
+        <p:nvSpPr>
+          <p:cNvPr id="20" name="Flussdiagramm: Verbinder 7">
+            <a:extLst>
+              <a:ext uri="{FF2B5EF4-FFF2-40B4-BE49-F238E27FC236}">
+                <a16:creationId xmlns:a16="http://schemas.microsoft.com/office/drawing/2014/main" id="{C300719A-E238-894C-74D3-E3938D639EE2}"/>
+              </a:ext>
+            </a:extLst>
+          </p:cNvPr>
+          <p:cNvSpPr>
+            <a:spLocks/>
+          </p:cNvSpPr>
+          <p:nvPr/>
+        </p:nvSpPr>
+        <p:spPr>
+          <a:xfrm>
+            <a:off x="8103926" y="753039"/>
+            <a:ext cx="288000" cy="288000"/>
+          </a:xfrm>
+          <a:prstGeom prst="flowChartConnector">
+            <a:avLst/>
+          </a:prstGeom>
+          <a:solidFill>
+            <a:schemeClr val="accent6">
+              <a:lumMod val="40000"/>
+              <a:lumOff val="60000"/>
+            </a:schemeClr>
+          </a:solidFill>
+          <a:ln w="19050">
+            <a:solidFill>
+              <a:srgbClr val="00B050"/>
+            </a:solidFill>
+          </a:ln>
+        </p:spPr>
+        <p:txBody>
+          <a:bodyPr wrap="square" rtlCol="0" anchor="ctr">
+            <a:spAutoFit/>
+          </a:bodyPr>
+          <a:lstStyle/>
+          <a:p>
+            <a:pPr algn="ctr"/>
+            <a:r>
+              <a:rPr lang="de-DE" dirty="0">
+                <a:solidFill>
+                  <a:schemeClr val="tx1"/>
+                </a:solidFill>
+              </a:rPr>
+              <a:t>5</a:t>
+            </a:r>
+          </a:p>
+        </p:txBody>
+      </p:sp>
+      <p:sp>
+        <p:nvSpPr>
+          <p:cNvPr id="21" name="Flussdiagramm: Verbinder 6">
+            <a:extLst>
+              <a:ext uri="{FF2B5EF4-FFF2-40B4-BE49-F238E27FC236}">
+                <a16:creationId xmlns:a16="http://schemas.microsoft.com/office/drawing/2014/main" id="{07170B53-6E27-88D0-8C75-BBABD22AACC9}"/>
+              </a:ext>
+            </a:extLst>
+          </p:cNvPr>
+          <p:cNvSpPr>
+            <a:spLocks/>
+          </p:cNvSpPr>
+          <p:nvPr/>
+        </p:nvSpPr>
+        <p:spPr>
+          <a:xfrm>
+            <a:off x="4092000" y="4995572"/>
+            <a:ext cx="288000" cy="288000"/>
+          </a:xfrm>
+          <a:prstGeom prst="flowChartConnector">
+            <a:avLst/>
+          </a:prstGeom>
+          <a:solidFill>
+            <a:schemeClr val="accent6">
+              <a:lumMod val="40000"/>
+              <a:lumOff val="60000"/>
+            </a:schemeClr>
+          </a:solidFill>
+          <a:ln w="19050">
+            <a:solidFill>
+              <a:srgbClr val="00B050"/>
+            </a:solidFill>
+          </a:ln>
+        </p:spPr>
+        <p:txBody>
+          <a:bodyPr wrap="square" rtlCol="0" anchor="ctr">
+            <a:spAutoFit/>
+          </a:bodyPr>
+          <a:lstStyle/>
+          <a:p>
+            <a:pPr algn="ctr"/>
+            <a:r>
+              <a:rPr lang="de-DE" dirty="0"/>
+              <a:t>4</a:t>
+            </a:r>
+            <a:endParaRPr lang="de-DE" dirty="0">
+              <a:solidFill>
+                <a:schemeClr val="tx1"/>
+              </a:solidFill>
+            </a:endParaRPr>
+          </a:p>
+        </p:txBody>
+      </p:sp>
+      <p:sp>
+        <p:nvSpPr>
+          <p:cNvPr id="22" name="Geschweifte Klammer links 21">
+            <a:extLst>
+              <a:ext uri="{FF2B5EF4-FFF2-40B4-BE49-F238E27FC236}">
+                <a16:creationId xmlns:a16="http://schemas.microsoft.com/office/drawing/2014/main" id="{128EBB77-A906-A1F2-1540-05FA0D638939}"/>
+              </a:ext>
+            </a:extLst>
+          </p:cNvPr>
+          <p:cNvSpPr/>
+          <p:nvPr/>
+        </p:nvSpPr>
+        <p:spPr>
+          <a:xfrm>
+            <a:off x="2966734" y="1646432"/>
+            <a:ext cx="526099" cy="2060845"/>
+          </a:xfrm>
+          <a:prstGeom prst="leftBrace">
+            <a:avLst>
+              <a:gd name="adj1" fmla="val 8333"/>
+              <a:gd name="adj2" fmla="val 49534"/>
+            </a:avLst>
+          </a:prstGeom>
+          <a:ln w="28575">
+            <a:solidFill>
+              <a:srgbClr val="00B050"/>
+            </a:solidFill>
+            <a:extLst>
+              <a:ext uri="{C807C97D-BFC1-408E-A445-0C87EB9F89A2}">
+                <ask:lineSketchStyleProps xmlns:ask="http://schemas.microsoft.com/office/drawing/2018/sketchyshapes" sd="1219033472">
+                  <a:custGeom>
+                    <a:avLst/>
+                    <a:gdLst>
+                      <a:gd name="connsiteX0" fmla="*/ 526099 w 526099"/>
+                      <a:gd name="connsiteY0" fmla="*/ 1951463 h 1951463"/>
+                      <a:gd name="connsiteX1" fmla="*/ 263049 w 526099"/>
+                      <a:gd name="connsiteY1" fmla="*/ 1907623 h 1951463"/>
+                      <a:gd name="connsiteX2" fmla="*/ 263050 w 526099"/>
+                      <a:gd name="connsiteY2" fmla="*/ 1019571 h 1951463"/>
+                      <a:gd name="connsiteX3" fmla="*/ 0 w 526099"/>
+                      <a:gd name="connsiteY3" fmla="*/ 975731 h 1951463"/>
+                      <a:gd name="connsiteX4" fmla="*/ 263050 w 526099"/>
+                      <a:gd name="connsiteY4" fmla="*/ 931891 h 1951463"/>
+                      <a:gd name="connsiteX5" fmla="*/ 263050 w 526099"/>
+                      <a:gd name="connsiteY5" fmla="*/ 43840 h 1951463"/>
+                      <a:gd name="connsiteX6" fmla="*/ 526100 w 526099"/>
+                      <a:gd name="connsiteY6" fmla="*/ 0 h 1951463"/>
+                      <a:gd name="connsiteX7" fmla="*/ 526099 w 526099"/>
+                      <a:gd name="connsiteY7" fmla="*/ 1951463 h 1951463"/>
+                      <a:gd name="connsiteX0" fmla="*/ 526099 w 526099"/>
+                      <a:gd name="connsiteY0" fmla="*/ 1951463 h 1951463"/>
+                      <a:gd name="connsiteX1" fmla="*/ 263049 w 526099"/>
+                      <a:gd name="connsiteY1" fmla="*/ 1907623 h 1951463"/>
+                      <a:gd name="connsiteX2" fmla="*/ 263050 w 526099"/>
+                      <a:gd name="connsiteY2" fmla="*/ 1019571 h 1951463"/>
+                      <a:gd name="connsiteX3" fmla="*/ 0 w 526099"/>
+                      <a:gd name="connsiteY3" fmla="*/ 975731 h 1951463"/>
+                      <a:gd name="connsiteX4" fmla="*/ 263050 w 526099"/>
+                      <a:gd name="connsiteY4" fmla="*/ 931891 h 1951463"/>
+                      <a:gd name="connsiteX5" fmla="*/ 263050 w 526099"/>
+                      <a:gd name="connsiteY5" fmla="*/ 43840 h 1951463"/>
+                      <a:gd name="connsiteX6" fmla="*/ 526100 w 526099"/>
+                      <a:gd name="connsiteY6" fmla="*/ 0 h 1951463"/>
+                    </a:gdLst>
+                    <a:ahLst/>
+                    <a:cxnLst>
+                      <a:cxn ang="0">
+                        <a:pos x="connsiteX0" y="connsiteY0"/>
+                      </a:cxn>
+                      <a:cxn ang="0">
+                        <a:pos x="connsiteX1" y="connsiteY1"/>
+                      </a:cxn>
+                      <a:cxn ang="0">
+                        <a:pos x="connsiteX2" y="connsiteY2"/>
+                      </a:cxn>
+                      <a:cxn ang="0">
+                        <a:pos x="connsiteX3" y="connsiteY3"/>
+                      </a:cxn>
+                      <a:cxn ang="0">
+                        <a:pos x="connsiteX4" y="connsiteY4"/>
+                      </a:cxn>
+                      <a:cxn ang="0">
+                        <a:pos x="connsiteX5" y="connsiteY5"/>
+                      </a:cxn>
+                      <a:cxn ang="0">
+                        <a:pos x="connsiteX6" y="connsiteY6"/>
+                      </a:cxn>
+                    </a:cxnLst>
+                    <a:rect l="l" t="t" r="r" b="b"/>
+                    <a:pathLst>
+                      <a:path w="526099" h="1951463" stroke="0" extrusionOk="0">
+                        <a:moveTo>
+                          <a:pt x="526099" y="1951463"/>
+                        </a:moveTo>
+                        <a:cubicBezTo>
+                          <a:pt x="379348" y="1950555"/>
+                          <a:pt x="260274" y="1932877"/>
+                          <a:pt x="263049" y="1907623"/>
+                        </a:cubicBezTo>
+                        <a:cubicBezTo>
+                          <a:pt x="289178" y="1617107"/>
+                          <a:pt x="228574" y="1316684"/>
+                          <a:pt x="263050" y="1019571"/>
+                        </a:cubicBezTo>
+                        <a:cubicBezTo>
+                          <a:pt x="253843" y="1004350"/>
+                          <a:pt x="142987" y="988401"/>
+                          <a:pt x="0" y="975731"/>
+                        </a:cubicBezTo>
+                        <a:cubicBezTo>
+                          <a:pt x="141243" y="973523"/>
+                          <a:pt x="264481" y="956787"/>
+                          <a:pt x="263050" y="931891"/>
+                        </a:cubicBezTo>
+                        <a:cubicBezTo>
+                          <a:pt x="238218" y="577737"/>
+                          <a:pt x="260434" y="311226"/>
+                          <a:pt x="263050" y="43840"/>
+                        </a:cubicBezTo>
+                        <a:cubicBezTo>
+                          <a:pt x="246395" y="17078"/>
+                          <a:pt x="365910" y="14038"/>
+                          <a:pt x="526100" y="0"/>
+                        </a:cubicBezTo>
+                        <a:cubicBezTo>
+                          <a:pt x="525037" y="640348"/>
+                          <a:pt x="479163" y="1366202"/>
+                          <a:pt x="526099" y="1951463"/>
+                        </a:cubicBezTo>
+                        <a:close/>
+                      </a:path>
+                      <a:path w="526099" h="1951463" fill="none" extrusionOk="0">
+                        <a:moveTo>
+                          <a:pt x="526099" y="1951463"/>
+                        </a:moveTo>
+                        <a:cubicBezTo>
+                          <a:pt x="384776" y="1953678"/>
+                          <a:pt x="266770" y="1932730"/>
+                          <a:pt x="263049" y="1907623"/>
+                        </a:cubicBezTo>
+                        <a:cubicBezTo>
+                          <a:pt x="253248" y="1610021"/>
+                          <a:pt x="288591" y="1336476"/>
+                          <a:pt x="263050" y="1019571"/>
+                        </a:cubicBezTo>
+                        <a:cubicBezTo>
+                          <a:pt x="264119" y="996951"/>
+                          <a:pt x="146957" y="993108"/>
+                          <a:pt x="0" y="975731"/>
+                        </a:cubicBezTo>
+                        <a:cubicBezTo>
+                          <a:pt x="147860" y="979707"/>
+                          <a:pt x="264309" y="957645"/>
+                          <a:pt x="263050" y="931891"/>
+                        </a:cubicBezTo>
+                        <a:cubicBezTo>
+                          <a:pt x="225950" y="804724"/>
+                          <a:pt x="194271" y="431467"/>
+                          <a:pt x="263050" y="43840"/>
+                        </a:cubicBezTo>
+                        <a:cubicBezTo>
+                          <a:pt x="250389" y="21707"/>
+                          <a:pt x="367231" y="-9377"/>
+                          <a:pt x="526100" y="0"/>
+                        </a:cubicBezTo>
+                      </a:path>
+                    </a:pathLst>
+                  </a:custGeom>
+                  <ask:type>
+                    <ask:lineSketchNone/>
+                  </ask:type>
+                </ask:lineSketchStyleProps>
+              </a:ext>
+            </a:extLst>
+          </a:ln>
+        </p:spPr>
+        <p:style>
+          <a:lnRef idx="1">
+            <a:schemeClr val="accent1"/>
+          </a:lnRef>
+          <a:fillRef idx="0">
+            <a:schemeClr val="accent1"/>
+          </a:fillRef>
+          <a:effectRef idx="0">
+            <a:schemeClr val="accent1"/>
+          </a:effectRef>
+          <a:fontRef idx="minor">
+            <a:schemeClr val="tx1"/>
+          </a:fontRef>
+        </p:style>
+        <p:txBody>
+          <a:bodyPr rtlCol="0" anchor="ctr"/>
+          <a:lstStyle/>
+          <a:p>
+            <a:pPr algn="ctr"/>
+            <a:endParaRPr lang="de-DE"/>
+          </a:p>
+        </p:txBody>
+      </p:sp>
+    </p:spTree>
+    <p:extLst>
+      <p:ext uri="{BB962C8B-B14F-4D97-AF65-F5344CB8AC3E}">
+        <p14:creationId xmlns:p14="http://schemas.microsoft.com/office/powerpoint/2010/main" val="1246963199"/>
+      </p:ext>
+    </p:extLst>
+  </p:cSld>
+  <p:clrMapOvr>
+    <a:masterClrMapping/>
+  </p:clrMapOvr>
+</p:sld>
+</file>
+
+<file path=ppt/slides/slide7.xml><?xml version="1.0" encoding="utf-8"?>
+<p:sld xmlns:a="http://schemas.openxmlformats.org/drawingml/2006/main" xmlns:r="http://schemas.openxmlformats.org/officeDocument/2006/relationships" xmlns:p="http://schemas.openxmlformats.org/presentationml/2006/main">
+  <p:cSld>
+    <p:spTree>
+      <p:nvGrpSpPr>
+        <p:cNvPr id="1" name=""/>
+        <p:cNvGrpSpPr/>
+        <p:nvPr/>
+      </p:nvGrpSpPr>
+      <p:grpSpPr>
+        <a:xfrm>
+          <a:off x="0" y="0"/>
+          <a:ext cx="0" cy="0"/>
+          <a:chOff x="0" y="0"/>
+          <a:chExt cx="0" cy="0"/>
+        </a:xfrm>
+      </p:grpSpPr>
       <p:pic>
         <p:nvPicPr>
           <p:cNvPr id="9" name="Grafik 8">
@@ -4354,7 +5786,7 @@
             </a:extLst>
           </p:cNvPr>
           <p:cNvPicPr>
-            <a:picLocks noChangeAspect="1"/>
+            <a:picLocks/>
           </p:cNvPicPr>
           <p:nvPr/>
         </p:nvPicPr>
@@ -4366,8 +5798,8 @@
         </p:blipFill>
         <p:spPr>
           <a:xfrm>
-            <a:off x="2904920" y="1179000"/>
-            <a:ext cx="6382159" cy="4500000"/>
+            <a:off x="1678800" y="502200"/>
+            <a:ext cx="8834400" cy="5853600"/>
           </a:xfrm>
           <a:prstGeom prst="rect">
             <a:avLst/>
@@ -4381,69 +5813,948 @@
       </p:pic>
       <p:sp>
         <p:nvSpPr>
-          <p:cNvPr id="10" name="Textfeld 9">
-            <a:extLst>
-              <a:ext uri="{FF2B5EF4-FFF2-40B4-BE49-F238E27FC236}">
-                <a16:creationId xmlns:a16="http://schemas.microsoft.com/office/drawing/2014/main" id="{C4F95EB0-0348-4315-8E49-A4CE3734E6F7}"/>
-              </a:ext>
-            </a:extLst>
-          </p:cNvPr>
-          <p:cNvSpPr txBox="1"/>
+          <p:cNvPr id="4" name="Flussdiagramm: Verbinder 3">
+            <a:extLst>
+              <a:ext uri="{FF2B5EF4-FFF2-40B4-BE49-F238E27FC236}">
+                <a16:creationId xmlns:a16="http://schemas.microsoft.com/office/drawing/2014/main" id="{CEB4BD08-8DCB-7D02-FD59-9B489C622F14}"/>
+              </a:ext>
+            </a:extLst>
+          </p:cNvPr>
+          <p:cNvSpPr>
+            <a:spLocks/>
+          </p:cNvSpPr>
           <p:nvPr/>
         </p:nvSpPr>
         <p:spPr>
           <a:xfrm>
-            <a:off x="3359019" y="416195"/>
-            <a:ext cx="7703976" cy="369332"/>
+            <a:off x="8607662" y="2251928"/>
+            <a:ext cx="288000" cy="288000"/>
+          </a:xfrm>
+          <a:prstGeom prst="flowChartConnector">
+            <a:avLst/>
+          </a:prstGeom>
+          <a:solidFill>
+            <a:schemeClr val="accent6">
+              <a:lumMod val="40000"/>
+              <a:lumOff val="60000"/>
+            </a:schemeClr>
+          </a:solidFill>
+          <a:ln w="19050">
+            <a:solidFill>
+              <a:srgbClr val="00B050"/>
+            </a:solidFill>
+          </a:ln>
+        </p:spPr>
+        <p:txBody>
+          <a:bodyPr wrap="square" rtlCol="0" anchor="ctr">
+            <a:spAutoFit/>
+          </a:bodyPr>
+          <a:lstStyle/>
+          <a:p>
+            <a:pPr algn="ctr"/>
+            <a:r>
+              <a:rPr lang="de-DE" dirty="0">
+                <a:solidFill>
+                  <a:schemeClr val="tx1"/>
+                </a:solidFill>
+              </a:rPr>
+              <a:t>1</a:t>
+            </a:r>
+          </a:p>
+        </p:txBody>
+      </p:sp>
+      <p:sp>
+        <p:nvSpPr>
+          <p:cNvPr id="5" name="Flussdiagramm: Verbinder 4">
+            <a:extLst>
+              <a:ext uri="{FF2B5EF4-FFF2-40B4-BE49-F238E27FC236}">
+                <a16:creationId xmlns:a16="http://schemas.microsoft.com/office/drawing/2014/main" id="{0380201F-FBBC-FA27-4A05-45B9C426D866}"/>
+              </a:ext>
+            </a:extLst>
+          </p:cNvPr>
+          <p:cNvSpPr>
+            <a:spLocks/>
+          </p:cNvSpPr>
+          <p:nvPr/>
+        </p:nvSpPr>
+        <p:spPr>
+          <a:xfrm>
+            <a:off x="3225838" y="3357483"/>
+            <a:ext cx="288000" cy="288000"/>
+          </a:xfrm>
+          <a:prstGeom prst="flowChartConnector">
+            <a:avLst/>
+          </a:prstGeom>
+          <a:solidFill>
+            <a:schemeClr val="accent6">
+              <a:lumMod val="40000"/>
+              <a:lumOff val="60000"/>
+            </a:schemeClr>
+          </a:solidFill>
+          <a:ln w="19050">
+            <a:solidFill>
+              <a:srgbClr val="00B050"/>
+            </a:solidFill>
+          </a:ln>
+        </p:spPr>
+        <p:txBody>
+          <a:bodyPr wrap="square" rtlCol="0" anchor="ctr">
+            <a:spAutoFit/>
+          </a:bodyPr>
+          <a:lstStyle/>
+          <a:p>
+            <a:pPr algn="ctr"/>
+            <a:r>
+              <a:rPr lang="de-DE" dirty="0"/>
+              <a:t>2</a:t>
+            </a:r>
+            <a:endParaRPr lang="de-DE" dirty="0">
+              <a:solidFill>
+                <a:schemeClr val="tx1"/>
+              </a:solidFill>
+            </a:endParaRPr>
+          </a:p>
+        </p:txBody>
+      </p:sp>
+      <p:sp>
+        <p:nvSpPr>
+          <p:cNvPr id="6" name="Flussdiagramm: Verbinder 5">
+            <a:extLst>
+              <a:ext uri="{FF2B5EF4-FFF2-40B4-BE49-F238E27FC236}">
+                <a16:creationId xmlns:a16="http://schemas.microsoft.com/office/drawing/2014/main" id="{7FC932FE-E899-D0BB-6C54-E6389478E984}"/>
+              </a:ext>
+            </a:extLst>
+          </p:cNvPr>
+          <p:cNvSpPr>
+            <a:spLocks/>
+          </p:cNvSpPr>
+          <p:nvPr/>
+        </p:nvSpPr>
+        <p:spPr>
+          <a:xfrm>
+            <a:off x="5191842" y="4365775"/>
+            <a:ext cx="291600" cy="291600"/>
+          </a:xfrm>
+          <a:prstGeom prst="flowChartConnector">
+            <a:avLst/>
+          </a:prstGeom>
+          <a:solidFill>
+            <a:schemeClr val="accent6">
+              <a:lumMod val="40000"/>
+              <a:lumOff val="60000"/>
+            </a:schemeClr>
+          </a:solidFill>
+          <a:ln w="19050">
+            <a:solidFill>
+              <a:srgbClr val="00B050"/>
+            </a:solidFill>
+          </a:ln>
+        </p:spPr>
+        <p:txBody>
+          <a:bodyPr wrap="square" rtlCol="0" anchor="ctr">
+            <a:spAutoFit/>
+          </a:bodyPr>
+          <a:lstStyle/>
+          <a:p>
+            <a:pPr algn="ctr"/>
+            <a:r>
+              <a:rPr lang="de-DE" dirty="0">
+                <a:solidFill>
+                  <a:schemeClr val="tx1"/>
+                </a:solidFill>
+              </a:rPr>
+              <a:t>4</a:t>
+            </a:r>
+          </a:p>
+        </p:txBody>
+      </p:sp>
+      <p:sp>
+        <p:nvSpPr>
+          <p:cNvPr id="7" name="Flussdiagramm: Verbinder 6">
+            <a:extLst>
+              <a:ext uri="{FF2B5EF4-FFF2-40B4-BE49-F238E27FC236}">
+                <a16:creationId xmlns:a16="http://schemas.microsoft.com/office/drawing/2014/main" id="{547C4295-9271-0081-CBDE-4F88FAA394DD}"/>
+              </a:ext>
+            </a:extLst>
+          </p:cNvPr>
+          <p:cNvSpPr>
+            <a:spLocks/>
+          </p:cNvSpPr>
+          <p:nvPr/>
+        </p:nvSpPr>
+        <p:spPr>
+          <a:xfrm>
+            <a:off x="7852521" y="4310021"/>
+            <a:ext cx="291600" cy="291600"/>
+          </a:xfrm>
+          <a:prstGeom prst="flowChartConnector">
+            <a:avLst/>
+          </a:prstGeom>
+          <a:solidFill>
+            <a:schemeClr val="accent6">
+              <a:lumMod val="40000"/>
+              <a:lumOff val="60000"/>
+            </a:schemeClr>
+          </a:solidFill>
+          <a:ln w="19050">
+            <a:solidFill>
+              <a:srgbClr val="00B050"/>
+            </a:solidFill>
+          </a:ln>
+        </p:spPr>
+        <p:txBody>
+          <a:bodyPr wrap="square" rtlCol="0" anchor="ctr">
+            <a:spAutoFit/>
+          </a:bodyPr>
+          <a:lstStyle/>
+          <a:p>
+            <a:pPr algn="ctr"/>
+            <a:r>
+              <a:rPr lang="de-DE" dirty="0"/>
+              <a:t>3</a:t>
+            </a:r>
+            <a:endParaRPr lang="de-DE" dirty="0">
+              <a:solidFill>
+                <a:schemeClr val="tx1"/>
+              </a:solidFill>
+            </a:endParaRPr>
+          </a:p>
+        </p:txBody>
+      </p:sp>
+      <p:sp>
+        <p:nvSpPr>
+          <p:cNvPr id="8" name="Flussdiagramm: Verbinder 7">
+            <a:extLst>
+              <a:ext uri="{FF2B5EF4-FFF2-40B4-BE49-F238E27FC236}">
+                <a16:creationId xmlns:a16="http://schemas.microsoft.com/office/drawing/2014/main" id="{30CF0721-8DB0-8F59-8962-2A1843F022D2}"/>
+              </a:ext>
+            </a:extLst>
+          </p:cNvPr>
+          <p:cNvSpPr>
+            <a:spLocks/>
+          </p:cNvSpPr>
+          <p:nvPr/>
+        </p:nvSpPr>
+        <p:spPr>
+          <a:xfrm>
+            <a:off x="8228574" y="1121237"/>
+            <a:ext cx="288000" cy="288000"/>
+          </a:xfrm>
+          <a:prstGeom prst="flowChartConnector">
+            <a:avLst/>
+          </a:prstGeom>
+          <a:solidFill>
+            <a:schemeClr val="accent6">
+              <a:lumMod val="40000"/>
+              <a:lumOff val="60000"/>
+            </a:schemeClr>
+          </a:solidFill>
+          <a:ln w="19050">
+            <a:solidFill>
+              <a:srgbClr val="00B050"/>
+            </a:solidFill>
+          </a:ln>
+        </p:spPr>
+        <p:txBody>
+          <a:bodyPr wrap="square" rtlCol="0" anchor="ctr">
+            <a:spAutoFit/>
+          </a:bodyPr>
+          <a:lstStyle/>
+          <a:p>
+            <a:pPr algn="ctr"/>
+            <a:r>
+              <a:rPr lang="de-DE" dirty="0">
+                <a:solidFill>
+                  <a:schemeClr val="tx1"/>
+                </a:solidFill>
+              </a:rPr>
+              <a:t>5</a:t>
+            </a:r>
+          </a:p>
+        </p:txBody>
+      </p:sp>
+      <p:sp>
+        <p:nvSpPr>
+          <p:cNvPr id="2" name="Geschweifte Klammer links 1">
+            <a:extLst>
+              <a:ext uri="{FF2B5EF4-FFF2-40B4-BE49-F238E27FC236}">
+                <a16:creationId xmlns:a16="http://schemas.microsoft.com/office/drawing/2014/main" id="{CD1C90C7-A6CF-AA30-4E62-82704BFC091A}"/>
+              </a:ext>
+            </a:extLst>
+          </p:cNvPr>
+          <p:cNvSpPr/>
+          <p:nvPr/>
+        </p:nvSpPr>
+        <p:spPr>
+          <a:xfrm rot="16200000">
+            <a:off x="6673205" y="2228933"/>
+            <a:ext cx="526099" cy="3412218"/>
+          </a:xfrm>
+          <a:prstGeom prst="leftBrace">
+            <a:avLst>
+              <a:gd name="adj1" fmla="val 8333"/>
+              <a:gd name="adj2" fmla="val 82000"/>
+            </a:avLst>
+          </a:prstGeom>
+          <a:ln w="28575">
+            <a:solidFill>
+              <a:srgbClr val="00B050"/>
+            </a:solidFill>
+            <a:extLst>
+              <a:ext uri="{C807C97D-BFC1-408E-A445-0C87EB9F89A2}">
+                <ask:lineSketchStyleProps xmlns:ask="http://schemas.microsoft.com/office/drawing/2018/sketchyshapes" sd="1219033472">
+                  <a:custGeom>
+                    <a:avLst/>
+                    <a:gdLst>
+                      <a:gd name="connsiteX0" fmla="*/ 526099 w 526099"/>
+                      <a:gd name="connsiteY0" fmla="*/ 1951463 h 1951463"/>
+                      <a:gd name="connsiteX1" fmla="*/ 263049 w 526099"/>
+                      <a:gd name="connsiteY1" fmla="*/ 1907623 h 1951463"/>
+                      <a:gd name="connsiteX2" fmla="*/ 263050 w 526099"/>
+                      <a:gd name="connsiteY2" fmla="*/ 1019571 h 1951463"/>
+                      <a:gd name="connsiteX3" fmla="*/ 0 w 526099"/>
+                      <a:gd name="connsiteY3" fmla="*/ 975731 h 1951463"/>
+                      <a:gd name="connsiteX4" fmla="*/ 263050 w 526099"/>
+                      <a:gd name="connsiteY4" fmla="*/ 931891 h 1951463"/>
+                      <a:gd name="connsiteX5" fmla="*/ 263050 w 526099"/>
+                      <a:gd name="connsiteY5" fmla="*/ 43840 h 1951463"/>
+                      <a:gd name="connsiteX6" fmla="*/ 526100 w 526099"/>
+                      <a:gd name="connsiteY6" fmla="*/ 0 h 1951463"/>
+                      <a:gd name="connsiteX7" fmla="*/ 526099 w 526099"/>
+                      <a:gd name="connsiteY7" fmla="*/ 1951463 h 1951463"/>
+                      <a:gd name="connsiteX0" fmla="*/ 526099 w 526099"/>
+                      <a:gd name="connsiteY0" fmla="*/ 1951463 h 1951463"/>
+                      <a:gd name="connsiteX1" fmla="*/ 263049 w 526099"/>
+                      <a:gd name="connsiteY1" fmla="*/ 1907623 h 1951463"/>
+                      <a:gd name="connsiteX2" fmla="*/ 263050 w 526099"/>
+                      <a:gd name="connsiteY2" fmla="*/ 1019571 h 1951463"/>
+                      <a:gd name="connsiteX3" fmla="*/ 0 w 526099"/>
+                      <a:gd name="connsiteY3" fmla="*/ 975731 h 1951463"/>
+                      <a:gd name="connsiteX4" fmla="*/ 263050 w 526099"/>
+                      <a:gd name="connsiteY4" fmla="*/ 931891 h 1951463"/>
+                      <a:gd name="connsiteX5" fmla="*/ 263050 w 526099"/>
+                      <a:gd name="connsiteY5" fmla="*/ 43840 h 1951463"/>
+                      <a:gd name="connsiteX6" fmla="*/ 526100 w 526099"/>
+                      <a:gd name="connsiteY6" fmla="*/ 0 h 1951463"/>
+                    </a:gdLst>
+                    <a:ahLst/>
+                    <a:cxnLst>
+                      <a:cxn ang="0">
+                        <a:pos x="connsiteX0" y="connsiteY0"/>
+                      </a:cxn>
+                      <a:cxn ang="0">
+                        <a:pos x="connsiteX1" y="connsiteY1"/>
+                      </a:cxn>
+                      <a:cxn ang="0">
+                        <a:pos x="connsiteX2" y="connsiteY2"/>
+                      </a:cxn>
+                      <a:cxn ang="0">
+                        <a:pos x="connsiteX3" y="connsiteY3"/>
+                      </a:cxn>
+                      <a:cxn ang="0">
+                        <a:pos x="connsiteX4" y="connsiteY4"/>
+                      </a:cxn>
+                      <a:cxn ang="0">
+                        <a:pos x="connsiteX5" y="connsiteY5"/>
+                      </a:cxn>
+                      <a:cxn ang="0">
+                        <a:pos x="connsiteX6" y="connsiteY6"/>
+                      </a:cxn>
+                    </a:cxnLst>
+                    <a:rect l="l" t="t" r="r" b="b"/>
+                    <a:pathLst>
+                      <a:path w="526099" h="1951463" stroke="0" extrusionOk="0">
+                        <a:moveTo>
+                          <a:pt x="526099" y="1951463"/>
+                        </a:moveTo>
+                        <a:cubicBezTo>
+                          <a:pt x="379348" y="1950555"/>
+                          <a:pt x="260274" y="1932877"/>
+                          <a:pt x="263049" y="1907623"/>
+                        </a:cubicBezTo>
+                        <a:cubicBezTo>
+                          <a:pt x="289178" y="1617107"/>
+                          <a:pt x="228574" y="1316684"/>
+                          <a:pt x="263050" y="1019571"/>
+                        </a:cubicBezTo>
+                        <a:cubicBezTo>
+                          <a:pt x="253843" y="1004350"/>
+                          <a:pt x="142987" y="988401"/>
+                          <a:pt x="0" y="975731"/>
+                        </a:cubicBezTo>
+                        <a:cubicBezTo>
+                          <a:pt x="141243" y="973523"/>
+                          <a:pt x="264481" y="956787"/>
+                          <a:pt x="263050" y="931891"/>
+                        </a:cubicBezTo>
+                        <a:cubicBezTo>
+                          <a:pt x="238218" y="577737"/>
+                          <a:pt x="260434" y="311226"/>
+                          <a:pt x="263050" y="43840"/>
+                        </a:cubicBezTo>
+                        <a:cubicBezTo>
+                          <a:pt x="246395" y="17078"/>
+                          <a:pt x="365910" y="14038"/>
+                          <a:pt x="526100" y="0"/>
+                        </a:cubicBezTo>
+                        <a:cubicBezTo>
+                          <a:pt x="525037" y="640348"/>
+                          <a:pt x="479163" y="1366202"/>
+                          <a:pt x="526099" y="1951463"/>
+                        </a:cubicBezTo>
+                        <a:close/>
+                      </a:path>
+                      <a:path w="526099" h="1951463" fill="none" extrusionOk="0">
+                        <a:moveTo>
+                          <a:pt x="526099" y="1951463"/>
+                        </a:moveTo>
+                        <a:cubicBezTo>
+                          <a:pt x="384776" y="1953678"/>
+                          <a:pt x="266770" y="1932730"/>
+                          <a:pt x="263049" y="1907623"/>
+                        </a:cubicBezTo>
+                        <a:cubicBezTo>
+                          <a:pt x="253248" y="1610021"/>
+                          <a:pt x="288591" y="1336476"/>
+                          <a:pt x="263050" y="1019571"/>
+                        </a:cubicBezTo>
+                        <a:cubicBezTo>
+                          <a:pt x="264119" y="996951"/>
+                          <a:pt x="146957" y="993108"/>
+                          <a:pt x="0" y="975731"/>
+                        </a:cubicBezTo>
+                        <a:cubicBezTo>
+                          <a:pt x="147860" y="979707"/>
+                          <a:pt x="264309" y="957645"/>
+                          <a:pt x="263050" y="931891"/>
+                        </a:cubicBezTo>
+                        <a:cubicBezTo>
+                          <a:pt x="225950" y="804724"/>
+                          <a:pt x="194271" y="431467"/>
+                          <a:pt x="263050" y="43840"/>
+                        </a:cubicBezTo>
+                        <a:cubicBezTo>
+                          <a:pt x="250389" y="21707"/>
+                          <a:pt x="367231" y="-9377"/>
+                          <a:pt x="526100" y="0"/>
+                        </a:cubicBezTo>
+                      </a:path>
+                    </a:pathLst>
+                  </a:custGeom>
+                  <ask:type>
+                    <ask:lineSketchNone/>
+                  </ask:type>
+                </ask:lineSketchStyleProps>
+              </a:ext>
+            </a:extLst>
+          </a:ln>
+        </p:spPr>
+        <p:style>
+          <a:lnRef idx="1">
+            <a:schemeClr val="accent1"/>
+          </a:lnRef>
+          <a:fillRef idx="0">
+            <a:schemeClr val="accent1"/>
+          </a:fillRef>
+          <a:effectRef idx="0">
+            <a:schemeClr val="accent1"/>
+          </a:effectRef>
+          <a:fontRef idx="minor">
+            <a:schemeClr val="tx1"/>
+          </a:fontRef>
+        </p:style>
+        <p:txBody>
+          <a:bodyPr rtlCol="0" anchor="ctr"/>
+          <a:lstStyle/>
+          <a:p>
+            <a:pPr algn="ctr"/>
+            <a:endParaRPr lang="de-DE"/>
+          </a:p>
+        </p:txBody>
+      </p:sp>
+    </p:spTree>
+    <p:extLst>
+      <p:ext uri="{BB962C8B-B14F-4D97-AF65-F5344CB8AC3E}">
+        <p14:creationId xmlns:p14="http://schemas.microsoft.com/office/powerpoint/2010/main" val="900031626"/>
+      </p:ext>
+    </p:extLst>
+  </p:cSld>
+  <p:clrMapOvr>
+    <a:masterClrMapping/>
+  </p:clrMapOvr>
+</p:sld>
+</file>
+
+<file path=ppt/slides/slide8.xml><?xml version="1.0" encoding="utf-8"?>
+<p:sld xmlns:a="http://schemas.openxmlformats.org/drawingml/2006/main" xmlns:r="http://schemas.openxmlformats.org/officeDocument/2006/relationships" xmlns:p="http://schemas.openxmlformats.org/presentationml/2006/main">
+  <p:cSld>
+    <p:spTree>
+      <p:nvGrpSpPr>
+        <p:cNvPr id="1" name=""/>
+        <p:cNvGrpSpPr/>
+        <p:nvPr/>
+      </p:nvGrpSpPr>
+      <p:grpSpPr>
+        <a:xfrm>
+          <a:off x="0" y="0"/>
+          <a:ext cx="0" cy="0"/>
+          <a:chOff x="0" y="0"/>
+          <a:chExt cx="0" cy="0"/>
+        </a:xfrm>
+      </p:grpSpPr>
+      <p:pic>
+        <p:nvPicPr>
+          <p:cNvPr id="3" name="Grafik 2">
+            <a:extLst>
+              <a:ext uri="{FF2B5EF4-FFF2-40B4-BE49-F238E27FC236}">
+                <a16:creationId xmlns:a16="http://schemas.microsoft.com/office/drawing/2014/main" id="{464890D0-4437-9AA5-2A20-1684384BD0CB}"/>
+              </a:ext>
+            </a:extLst>
+          </p:cNvPr>
+          <p:cNvPicPr>
+            <a:picLocks noChangeAspect="1"/>
+          </p:cNvPicPr>
+          <p:nvPr/>
+        </p:nvPicPr>
+        <p:blipFill>
+          <a:blip r:embed="rId2">
+            <a:extLst>
+              <a:ext uri="{28A0092B-C50C-407E-A947-70E740481C1C}">
+                <a14:useLocalDpi xmlns:a14="http://schemas.microsoft.com/office/drawing/2010/main" val="0"/>
+              </a:ext>
+            </a:extLst>
+          </a:blip>
+          <a:stretch>
+            <a:fillRect/>
+          </a:stretch>
+        </p:blipFill>
+        <p:spPr>
+          <a:xfrm>
+            <a:off x="1600513" y="440823"/>
+            <a:ext cx="8990974" cy="5976353"/>
           </a:xfrm>
           <a:prstGeom prst="rect">
             <a:avLst/>
           </a:prstGeom>
-          <a:noFill/>
+          <a:ln>
+            <a:solidFill>
+              <a:schemeClr val="tx1"/>
+            </a:solidFill>
+          </a:ln>
         </p:spPr>
-        <p:txBody>
-          <a:bodyPr wrap="square" rtlCol="0">
+      </p:pic>
+      <p:sp>
+        <p:nvSpPr>
+          <p:cNvPr id="6" name="Flussdiagramm: Verbinder 3">
+            <a:extLst>
+              <a:ext uri="{FF2B5EF4-FFF2-40B4-BE49-F238E27FC236}">
+                <a16:creationId xmlns:a16="http://schemas.microsoft.com/office/drawing/2014/main" id="{F5757DA1-D189-D84F-57EF-1D59B2477C7A}"/>
+              </a:ext>
+            </a:extLst>
+          </p:cNvPr>
+          <p:cNvSpPr>
+            <a:spLocks/>
+          </p:cNvSpPr>
+          <p:nvPr/>
+        </p:nvSpPr>
+        <p:spPr>
+          <a:xfrm>
+            <a:off x="2055338" y="1753307"/>
+            <a:ext cx="788400" cy="424800"/>
+          </a:xfrm>
+          <a:prstGeom prst="flowChartConnector">
+            <a:avLst/>
+          </a:prstGeom>
+          <a:solidFill>
+            <a:schemeClr val="accent6">
+              <a:lumMod val="40000"/>
+              <a:lumOff val="60000"/>
+            </a:schemeClr>
+          </a:solidFill>
+          <a:ln w="19050">
+            <a:solidFill>
+              <a:srgbClr val="00B050"/>
+            </a:solidFill>
+          </a:ln>
+        </p:spPr>
+        <p:txBody>
+          <a:bodyPr wrap="square" rtlCol="0" anchor="ctr">
             <a:spAutoFit/>
           </a:bodyPr>
           <a:lstStyle/>
           <a:p>
+            <a:pPr algn="ctr"/>
+            <a:r>
+              <a:rPr lang="de-DE" sz="1400" dirty="0">
+                <a:solidFill>
+                  <a:schemeClr val="tx1"/>
+                </a:solidFill>
+              </a:rPr>
+              <a:t>1.1</a:t>
+            </a:r>
+          </a:p>
+        </p:txBody>
+      </p:sp>
+      <p:sp>
+        <p:nvSpPr>
+          <p:cNvPr id="7" name="Flussdiagramm: Verbinder 7">
+            <a:extLst>
+              <a:ext uri="{FF2B5EF4-FFF2-40B4-BE49-F238E27FC236}">
+                <a16:creationId xmlns:a16="http://schemas.microsoft.com/office/drawing/2014/main" id="{49C2BC04-DC9A-3B91-34DB-405B5EAC0DE9}"/>
+              </a:ext>
+            </a:extLst>
+          </p:cNvPr>
+          <p:cNvSpPr>
+            <a:spLocks/>
+          </p:cNvSpPr>
+          <p:nvPr/>
+        </p:nvSpPr>
+        <p:spPr>
+          <a:xfrm>
+            <a:off x="8204287" y="775341"/>
+            <a:ext cx="288000" cy="288000"/>
+          </a:xfrm>
+          <a:prstGeom prst="flowChartConnector">
+            <a:avLst/>
+          </a:prstGeom>
+          <a:solidFill>
+            <a:schemeClr val="accent6">
+              <a:lumMod val="40000"/>
+              <a:lumOff val="60000"/>
+            </a:schemeClr>
+          </a:solidFill>
+          <a:ln w="19050">
+            <a:solidFill>
+              <a:srgbClr val="00B050"/>
+            </a:solidFill>
+          </a:ln>
+        </p:spPr>
+        <p:txBody>
+          <a:bodyPr wrap="square" rtlCol="0" anchor="ctr">
+            <a:spAutoFit/>
+          </a:bodyPr>
+          <a:lstStyle/>
+          <a:p>
+            <a:pPr algn="ctr"/>
+            <a:r>
+              <a:rPr lang="de-DE" dirty="0">
+                <a:solidFill>
+                  <a:schemeClr val="tx1"/>
+                </a:solidFill>
+              </a:rPr>
+              <a:t>5</a:t>
+            </a:r>
+          </a:p>
+        </p:txBody>
+      </p:sp>
+      <p:sp>
+        <p:nvSpPr>
+          <p:cNvPr id="8" name="Flussdiagramm: Verbinder 6">
+            <a:extLst>
+              <a:ext uri="{FF2B5EF4-FFF2-40B4-BE49-F238E27FC236}">
+                <a16:creationId xmlns:a16="http://schemas.microsoft.com/office/drawing/2014/main" id="{EA9F85E2-881C-758E-6947-0CDC8CF2E910}"/>
+              </a:ext>
+            </a:extLst>
+          </p:cNvPr>
+          <p:cNvSpPr>
+            <a:spLocks/>
+          </p:cNvSpPr>
+          <p:nvPr/>
+        </p:nvSpPr>
+        <p:spPr>
+          <a:xfrm>
+            <a:off x="3149370" y="3198991"/>
+            <a:ext cx="288000" cy="291600"/>
+          </a:xfrm>
+          <a:prstGeom prst="flowChartConnector">
+            <a:avLst/>
+          </a:prstGeom>
+          <a:solidFill>
+            <a:schemeClr val="accent6">
+              <a:lumMod val="40000"/>
+              <a:lumOff val="60000"/>
+            </a:schemeClr>
+          </a:solidFill>
+          <a:ln w="19050">
+            <a:solidFill>
+              <a:srgbClr val="00B050"/>
+            </a:solidFill>
+          </a:ln>
+        </p:spPr>
+        <p:txBody>
+          <a:bodyPr wrap="square" rtlCol="0" anchor="ctr">
+            <a:spAutoFit/>
+          </a:bodyPr>
+          <a:lstStyle/>
+          <a:p>
+            <a:pPr algn="ctr"/>
+            <a:r>
+              <a:rPr lang="de-DE" dirty="0">
+                <a:solidFill>
+                  <a:schemeClr val="tx1"/>
+                </a:solidFill>
+              </a:rPr>
+              <a:t>2</a:t>
+            </a:r>
+          </a:p>
+        </p:txBody>
+      </p:sp>
+      <p:sp>
+        <p:nvSpPr>
+          <p:cNvPr id="11" name="Geschweifte Klammer links 10">
+            <a:extLst>
+              <a:ext uri="{FF2B5EF4-FFF2-40B4-BE49-F238E27FC236}">
+                <a16:creationId xmlns:a16="http://schemas.microsoft.com/office/drawing/2014/main" id="{426E4D6C-9B10-4C75-EC2B-C803599E83AA}"/>
+              </a:ext>
+            </a:extLst>
+          </p:cNvPr>
+          <p:cNvSpPr/>
+          <p:nvPr/>
+        </p:nvSpPr>
+        <p:spPr>
+          <a:xfrm>
+            <a:off x="2886321" y="1344296"/>
+            <a:ext cx="526099" cy="1242822"/>
+          </a:xfrm>
+          <a:prstGeom prst="leftBrace">
+            <a:avLst>
+              <a:gd name="adj1" fmla="val 8333"/>
+              <a:gd name="adj2" fmla="val 49534"/>
+            </a:avLst>
+          </a:prstGeom>
+          <a:ln w="28575">
+            <a:solidFill>
+              <a:srgbClr val="00B050"/>
+            </a:solidFill>
+            <a:extLst>
+              <a:ext uri="{C807C97D-BFC1-408E-A445-0C87EB9F89A2}">
+                <ask:lineSketchStyleProps xmlns:ask="http://schemas.microsoft.com/office/drawing/2018/sketchyshapes" sd="1219033472">
+                  <a:custGeom>
+                    <a:avLst/>
+                    <a:gdLst>
+                      <a:gd name="connsiteX0" fmla="*/ 526099 w 526099"/>
+                      <a:gd name="connsiteY0" fmla="*/ 1951463 h 1951463"/>
+                      <a:gd name="connsiteX1" fmla="*/ 263049 w 526099"/>
+                      <a:gd name="connsiteY1" fmla="*/ 1907623 h 1951463"/>
+                      <a:gd name="connsiteX2" fmla="*/ 263050 w 526099"/>
+                      <a:gd name="connsiteY2" fmla="*/ 1019571 h 1951463"/>
+                      <a:gd name="connsiteX3" fmla="*/ 0 w 526099"/>
+                      <a:gd name="connsiteY3" fmla="*/ 975731 h 1951463"/>
+                      <a:gd name="connsiteX4" fmla="*/ 263050 w 526099"/>
+                      <a:gd name="connsiteY4" fmla="*/ 931891 h 1951463"/>
+                      <a:gd name="connsiteX5" fmla="*/ 263050 w 526099"/>
+                      <a:gd name="connsiteY5" fmla="*/ 43840 h 1951463"/>
+                      <a:gd name="connsiteX6" fmla="*/ 526100 w 526099"/>
+                      <a:gd name="connsiteY6" fmla="*/ 0 h 1951463"/>
+                      <a:gd name="connsiteX7" fmla="*/ 526099 w 526099"/>
+                      <a:gd name="connsiteY7" fmla="*/ 1951463 h 1951463"/>
+                      <a:gd name="connsiteX0" fmla="*/ 526099 w 526099"/>
+                      <a:gd name="connsiteY0" fmla="*/ 1951463 h 1951463"/>
+                      <a:gd name="connsiteX1" fmla="*/ 263049 w 526099"/>
+                      <a:gd name="connsiteY1" fmla="*/ 1907623 h 1951463"/>
+                      <a:gd name="connsiteX2" fmla="*/ 263050 w 526099"/>
+                      <a:gd name="connsiteY2" fmla="*/ 1019571 h 1951463"/>
+                      <a:gd name="connsiteX3" fmla="*/ 0 w 526099"/>
+                      <a:gd name="connsiteY3" fmla="*/ 975731 h 1951463"/>
+                      <a:gd name="connsiteX4" fmla="*/ 263050 w 526099"/>
+                      <a:gd name="connsiteY4" fmla="*/ 931891 h 1951463"/>
+                      <a:gd name="connsiteX5" fmla="*/ 263050 w 526099"/>
+                      <a:gd name="connsiteY5" fmla="*/ 43840 h 1951463"/>
+                      <a:gd name="connsiteX6" fmla="*/ 526100 w 526099"/>
+                      <a:gd name="connsiteY6" fmla="*/ 0 h 1951463"/>
+                    </a:gdLst>
+                    <a:ahLst/>
+                    <a:cxnLst>
+                      <a:cxn ang="0">
+                        <a:pos x="connsiteX0" y="connsiteY0"/>
+                      </a:cxn>
+                      <a:cxn ang="0">
+                        <a:pos x="connsiteX1" y="connsiteY1"/>
+                      </a:cxn>
+                      <a:cxn ang="0">
+                        <a:pos x="connsiteX2" y="connsiteY2"/>
+                      </a:cxn>
+                      <a:cxn ang="0">
+                        <a:pos x="connsiteX3" y="connsiteY3"/>
+                      </a:cxn>
+                      <a:cxn ang="0">
+                        <a:pos x="connsiteX4" y="connsiteY4"/>
+                      </a:cxn>
+                      <a:cxn ang="0">
+                        <a:pos x="connsiteX5" y="connsiteY5"/>
+                      </a:cxn>
+                      <a:cxn ang="0">
+                        <a:pos x="connsiteX6" y="connsiteY6"/>
+                      </a:cxn>
+                    </a:cxnLst>
+                    <a:rect l="l" t="t" r="r" b="b"/>
+                    <a:pathLst>
+                      <a:path w="526099" h="1951463" stroke="0" extrusionOk="0">
+                        <a:moveTo>
+                          <a:pt x="526099" y="1951463"/>
+                        </a:moveTo>
+                        <a:cubicBezTo>
+                          <a:pt x="379348" y="1950555"/>
+                          <a:pt x="260274" y="1932877"/>
+                          <a:pt x="263049" y="1907623"/>
+                        </a:cubicBezTo>
+                        <a:cubicBezTo>
+                          <a:pt x="289178" y="1617107"/>
+                          <a:pt x="228574" y="1316684"/>
+                          <a:pt x="263050" y="1019571"/>
+                        </a:cubicBezTo>
+                        <a:cubicBezTo>
+                          <a:pt x="253843" y="1004350"/>
+                          <a:pt x="142987" y="988401"/>
+                          <a:pt x="0" y="975731"/>
+                        </a:cubicBezTo>
+                        <a:cubicBezTo>
+                          <a:pt x="141243" y="973523"/>
+                          <a:pt x="264481" y="956787"/>
+                          <a:pt x="263050" y="931891"/>
+                        </a:cubicBezTo>
+                        <a:cubicBezTo>
+                          <a:pt x="238218" y="577737"/>
+                          <a:pt x="260434" y="311226"/>
+                          <a:pt x="263050" y="43840"/>
+                        </a:cubicBezTo>
+                        <a:cubicBezTo>
+                          <a:pt x="246395" y="17078"/>
+                          <a:pt x="365910" y="14038"/>
+                          <a:pt x="526100" y="0"/>
+                        </a:cubicBezTo>
+                        <a:cubicBezTo>
+                          <a:pt x="525037" y="640348"/>
+                          <a:pt x="479163" y="1366202"/>
+                          <a:pt x="526099" y="1951463"/>
+                        </a:cubicBezTo>
+                        <a:close/>
+                      </a:path>
+                      <a:path w="526099" h="1951463" fill="none" extrusionOk="0">
+                        <a:moveTo>
+                          <a:pt x="526099" y="1951463"/>
+                        </a:moveTo>
+                        <a:cubicBezTo>
+                          <a:pt x="384776" y="1953678"/>
+                          <a:pt x="266770" y="1932730"/>
+                          <a:pt x="263049" y="1907623"/>
+                        </a:cubicBezTo>
+                        <a:cubicBezTo>
+                          <a:pt x="253248" y="1610021"/>
+                          <a:pt x="288591" y="1336476"/>
+                          <a:pt x="263050" y="1019571"/>
+                        </a:cubicBezTo>
+                        <a:cubicBezTo>
+                          <a:pt x="264119" y="996951"/>
+                          <a:pt x="146957" y="993108"/>
+                          <a:pt x="0" y="975731"/>
+                        </a:cubicBezTo>
+                        <a:cubicBezTo>
+                          <a:pt x="147860" y="979707"/>
+                          <a:pt x="264309" y="957645"/>
+                          <a:pt x="263050" y="931891"/>
+                        </a:cubicBezTo>
+                        <a:cubicBezTo>
+                          <a:pt x="225950" y="804724"/>
+                          <a:pt x="194271" y="431467"/>
+                          <a:pt x="263050" y="43840"/>
+                        </a:cubicBezTo>
+                        <a:cubicBezTo>
+                          <a:pt x="250389" y="21707"/>
+                          <a:pt x="367231" y="-9377"/>
+                          <a:pt x="526100" y="0"/>
+                        </a:cubicBezTo>
+                      </a:path>
+                    </a:pathLst>
+                  </a:custGeom>
+                  <ask:type>
+                    <ask:lineSketchNone/>
+                  </ask:type>
+                </ask:lineSketchStyleProps>
+              </a:ext>
+            </a:extLst>
+          </a:ln>
+        </p:spPr>
+        <p:style>
+          <a:lnRef idx="1">
+            <a:schemeClr val="accent1"/>
+          </a:lnRef>
+          <a:fillRef idx="0">
+            <a:schemeClr val="accent1"/>
+          </a:fillRef>
+          <a:effectRef idx="0">
+            <a:schemeClr val="accent1"/>
+          </a:effectRef>
+          <a:fontRef idx="minor">
+            <a:schemeClr val="tx1"/>
+          </a:fontRef>
+        </p:style>
+        <p:txBody>
+          <a:bodyPr rtlCol="0" anchor="ctr"/>
+          <a:lstStyle/>
+          <a:p>
+            <a:pPr algn="ctr"/>
+            <a:endParaRPr lang="de-DE"/>
+          </a:p>
+        </p:txBody>
+      </p:sp>
+      <p:sp>
+        <p:nvSpPr>
+          <p:cNvPr id="12" name="Flussdiagramm: Verbinder 6">
+            <a:extLst>
+              <a:ext uri="{FF2B5EF4-FFF2-40B4-BE49-F238E27FC236}">
+                <a16:creationId xmlns:a16="http://schemas.microsoft.com/office/drawing/2014/main" id="{BA2F1268-A2AF-09A6-8A8E-EC550E817400}"/>
+              </a:ext>
+            </a:extLst>
+          </p:cNvPr>
+          <p:cNvSpPr>
+            <a:spLocks/>
+          </p:cNvSpPr>
+          <p:nvPr/>
+        </p:nvSpPr>
+        <p:spPr>
+          <a:xfrm>
+            <a:off x="5130571" y="4229975"/>
+            <a:ext cx="288000" cy="291600"/>
+          </a:xfrm>
+          <a:prstGeom prst="flowChartConnector">
+            <a:avLst/>
+          </a:prstGeom>
+          <a:solidFill>
+            <a:schemeClr val="accent6">
+              <a:lumMod val="40000"/>
+              <a:lumOff val="60000"/>
+            </a:schemeClr>
+          </a:solidFill>
+          <a:ln w="19050">
+            <a:solidFill>
+              <a:srgbClr val="00B050"/>
+            </a:solidFill>
+          </a:ln>
+        </p:spPr>
+        <p:txBody>
+          <a:bodyPr wrap="square" rtlCol="0" anchor="ctr">
+            <a:spAutoFit/>
+          </a:bodyPr>
+          <a:lstStyle/>
+          <a:p>
+            <a:pPr algn="ctr"/>
             <a:r>
               <a:rPr lang="de-DE" dirty="0"/>
-              <a:t>Bei design </a:t>
-            </a:r>
-            <a:r>
-              <a:rPr lang="de-DE" dirty="0" err="1"/>
-              <a:t>änderungen</a:t>
-            </a:r>
-            <a:r>
-              <a:rPr lang="de-DE" dirty="0"/>
-              <a:t> in </a:t>
-            </a:r>
-            <a:r>
-              <a:rPr lang="de-DE" dirty="0" err="1"/>
-              <a:t>eclipse</a:t>
-            </a:r>
-            <a:r>
-              <a:rPr lang="de-DE" dirty="0"/>
-              <a:t> </a:t>
-            </a:r>
-            <a:r>
-              <a:rPr lang="de-DE" dirty="0">
-                <a:sym typeface="Wingdings" panose="05000000000000000000" pitchFamily="2" charset="2"/>
-              </a:rPr>
-              <a:t> </a:t>
-            </a:r>
-            <a:r>
-              <a:rPr lang="de-DE" dirty="0"/>
-              <a:t>neues Bild hochladen!</a:t>
-            </a:r>
+              <a:t>3</a:t>
+            </a:r>
+            <a:endParaRPr lang="de-DE" dirty="0">
+              <a:solidFill>
+                <a:schemeClr val="tx1"/>
+              </a:solidFill>
+            </a:endParaRPr>
           </a:p>
         </p:txBody>
       </p:sp>
     </p:spTree>
     <p:extLst>
       <p:ext uri="{BB962C8B-B14F-4D97-AF65-F5344CB8AC3E}">
-        <p14:creationId xmlns:p14="http://schemas.microsoft.com/office/powerpoint/2010/main" val="900031626"/>
+        <p14:creationId xmlns:p14="http://schemas.microsoft.com/office/powerpoint/2010/main" val="3204849202"/>
       </p:ext>
     </p:extLst>
   </p:cSld>

--- a/3_Dokumentation/Handbuch/images/Bilder für Handbuch.pptx
+++ b/3_Dokumentation/Handbuch/images/Bilder für Handbuch.pptx
@@ -13,6 +13,8 @@
     <p:sldId id="259" r:id="rId7"/>
     <p:sldId id="260" r:id="rId8"/>
     <p:sldId id="263" r:id="rId9"/>
+    <p:sldId id="264" r:id="rId10"/>
+    <p:sldId id="265" r:id="rId11"/>
   </p:sldIdLst>
   <p:sldSz cx="12192000" cy="6858000"/>
   <p:notesSz cx="6858000" cy="9144000"/>
@@ -266,7 +268,7 @@
           <a:p>
             <a:fld id="{457139BE-B90A-492C-AB6F-4D577625AFDA}" type="datetimeFigureOut">
               <a:rPr lang="de-DE" smtClean="0"/>
-              <a:t>17.06.22</a:t>
+              <a:t>25.06.22</a:t>
             </a:fld>
             <a:endParaRPr lang="de-DE"/>
           </a:p>
@@ -464,7 +466,7 @@
           <a:p>
             <a:fld id="{457139BE-B90A-492C-AB6F-4D577625AFDA}" type="datetimeFigureOut">
               <a:rPr lang="de-DE" smtClean="0"/>
-              <a:t>17.06.22</a:t>
+              <a:t>25.06.22</a:t>
             </a:fld>
             <a:endParaRPr lang="de-DE"/>
           </a:p>
@@ -672,7 +674,7 @@
           <a:p>
             <a:fld id="{457139BE-B90A-492C-AB6F-4D577625AFDA}" type="datetimeFigureOut">
               <a:rPr lang="de-DE" smtClean="0"/>
-              <a:t>17.06.22</a:t>
+              <a:t>25.06.22</a:t>
             </a:fld>
             <a:endParaRPr lang="de-DE"/>
           </a:p>
@@ -870,7 +872,7 @@
           <a:p>
             <a:fld id="{457139BE-B90A-492C-AB6F-4D577625AFDA}" type="datetimeFigureOut">
               <a:rPr lang="de-DE" smtClean="0"/>
-              <a:t>17.06.22</a:t>
+              <a:t>25.06.22</a:t>
             </a:fld>
             <a:endParaRPr lang="de-DE"/>
           </a:p>
@@ -1145,7 +1147,7 @@
           <a:p>
             <a:fld id="{457139BE-B90A-492C-AB6F-4D577625AFDA}" type="datetimeFigureOut">
               <a:rPr lang="de-DE" smtClean="0"/>
-              <a:t>17.06.22</a:t>
+              <a:t>25.06.22</a:t>
             </a:fld>
             <a:endParaRPr lang="de-DE"/>
           </a:p>
@@ -1410,7 +1412,7 @@
           <a:p>
             <a:fld id="{457139BE-B90A-492C-AB6F-4D577625AFDA}" type="datetimeFigureOut">
               <a:rPr lang="de-DE" smtClean="0"/>
-              <a:t>17.06.22</a:t>
+              <a:t>25.06.22</a:t>
             </a:fld>
             <a:endParaRPr lang="de-DE"/>
           </a:p>
@@ -1822,7 +1824,7 @@
           <a:p>
             <a:fld id="{457139BE-B90A-492C-AB6F-4D577625AFDA}" type="datetimeFigureOut">
               <a:rPr lang="de-DE" smtClean="0"/>
-              <a:t>17.06.22</a:t>
+              <a:t>25.06.22</a:t>
             </a:fld>
             <a:endParaRPr lang="de-DE"/>
           </a:p>
@@ -1963,7 +1965,7 @@
           <a:p>
             <a:fld id="{457139BE-B90A-492C-AB6F-4D577625AFDA}" type="datetimeFigureOut">
               <a:rPr lang="de-DE" smtClean="0"/>
-              <a:t>17.06.22</a:t>
+              <a:t>25.06.22</a:t>
             </a:fld>
             <a:endParaRPr lang="de-DE"/>
           </a:p>
@@ -2076,7 +2078,7 @@
           <a:p>
             <a:fld id="{457139BE-B90A-492C-AB6F-4D577625AFDA}" type="datetimeFigureOut">
               <a:rPr lang="de-DE" smtClean="0"/>
-              <a:t>17.06.22</a:t>
+              <a:t>25.06.22</a:t>
             </a:fld>
             <a:endParaRPr lang="de-DE"/>
           </a:p>
@@ -2387,7 +2389,7 @@
           <a:p>
             <a:fld id="{457139BE-B90A-492C-AB6F-4D577625AFDA}" type="datetimeFigureOut">
               <a:rPr lang="de-DE" smtClean="0"/>
-              <a:t>17.06.22</a:t>
+              <a:t>25.06.22</a:t>
             </a:fld>
             <a:endParaRPr lang="de-DE"/>
           </a:p>
@@ -2675,7 +2677,7 @@
           <a:p>
             <a:fld id="{457139BE-B90A-492C-AB6F-4D577625AFDA}" type="datetimeFigureOut">
               <a:rPr lang="de-DE" smtClean="0"/>
-              <a:t>17.06.22</a:t>
+              <a:t>25.06.22</a:t>
             </a:fld>
             <a:endParaRPr lang="de-DE"/>
           </a:p>
@@ -2916,7 +2918,7 @@
           <a:p>
             <a:fld id="{457139BE-B90A-492C-AB6F-4D577625AFDA}" type="datetimeFigureOut">
               <a:rPr lang="de-DE" smtClean="0"/>
-              <a:t>17.06.22</a:t>
+              <a:t>25.06.22</a:t>
             </a:fld>
             <a:endParaRPr lang="de-DE"/>
           </a:p>
@@ -3698,6 +3700,76 @@
     <p:extLst>
       <p:ext uri="{BB962C8B-B14F-4D97-AF65-F5344CB8AC3E}">
         <p14:creationId xmlns:p14="http://schemas.microsoft.com/office/powerpoint/2010/main" val="535501950"/>
+      </p:ext>
+    </p:extLst>
+  </p:cSld>
+  <p:clrMapOvr>
+    <a:masterClrMapping/>
+  </p:clrMapOvr>
+</p:sld>
+</file>
+
+<file path=ppt/slides/slide10.xml><?xml version="1.0" encoding="utf-8"?>
+<p:sld xmlns:a="http://schemas.openxmlformats.org/drawingml/2006/main" xmlns:r="http://schemas.openxmlformats.org/officeDocument/2006/relationships" xmlns:p="http://schemas.openxmlformats.org/presentationml/2006/main">
+  <p:cSld>
+    <p:spTree>
+      <p:nvGrpSpPr>
+        <p:cNvPr id="1" name=""/>
+        <p:cNvGrpSpPr/>
+        <p:nvPr/>
+      </p:nvGrpSpPr>
+      <p:grpSpPr>
+        <a:xfrm>
+          <a:off x="0" y="0"/>
+          <a:ext cx="0" cy="0"/>
+          <a:chOff x="0" y="0"/>
+          <a:chExt cx="0" cy="0"/>
+        </a:xfrm>
+      </p:grpSpPr>
+      <p:pic>
+        <p:nvPicPr>
+          <p:cNvPr id="3" name="Grafik 2">
+            <a:extLst>
+              <a:ext uri="{FF2B5EF4-FFF2-40B4-BE49-F238E27FC236}">
+                <a16:creationId xmlns:a16="http://schemas.microsoft.com/office/drawing/2014/main" id="{57EB86A4-A2B9-D094-17DF-47CC317FF307}"/>
+              </a:ext>
+            </a:extLst>
+          </p:cNvPr>
+          <p:cNvPicPr>
+            <a:picLocks noChangeAspect="1"/>
+          </p:cNvPicPr>
+          <p:nvPr/>
+        </p:nvPicPr>
+        <p:blipFill rotWithShape="1">
+          <a:blip r:embed="rId2">
+            <a:extLst>
+              <a:ext uri="{28A0092B-C50C-407E-A947-70E740481C1C}">
+                <a14:useLocalDpi xmlns:a14="http://schemas.microsoft.com/office/drawing/2010/main" val="0"/>
+              </a:ext>
+            </a:extLst>
+          </a:blip>
+          <a:srcRect l="-1" r="533"/>
+          <a:stretch/>
+        </p:blipFill>
+        <p:spPr>
+          <a:xfrm>
+            <a:off x="1431304" y="287866"/>
+            <a:ext cx="9329391" cy="6282267"/>
+          </a:xfrm>
+          <a:prstGeom prst="rect">
+            <a:avLst/>
+          </a:prstGeom>
+          <a:ln>
+            <a:solidFill>
+              <a:schemeClr val="tx1"/>
+            </a:solidFill>
+          </a:ln>
+        </p:spPr>
+      </p:pic>
+    </p:spTree>
+    <p:extLst>
+      <p:ext uri="{BB962C8B-B14F-4D97-AF65-F5344CB8AC3E}">
+        <p14:creationId xmlns:p14="http://schemas.microsoft.com/office/powerpoint/2010/main" val="2997837291"/>
       </p:ext>
     </p:extLst>
   </p:cSld>
@@ -6764,6 +6836,76 @@
 </p:sld>
 </file>
 
+<file path=ppt/slides/slide9.xml><?xml version="1.0" encoding="utf-8"?>
+<p:sld xmlns:a="http://schemas.openxmlformats.org/drawingml/2006/main" xmlns:r="http://schemas.openxmlformats.org/officeDocument/2006/relationships" xmlns:p="http://schemas.openxmlformats.org/presentationml/2006/main">
+  <p:cSld>
+    <p:spTree>
+      <p:nvGrpSpPr>
+        <p:cNvPr id="1" name=""/>
+        <p:cNvGrpSpPr/>
+        <p:nvPr/>
+      </p:nvGrpSpPr>
+      <p:grpSpPr>
+        <a:xfrm>
+          <a:off x="0" y="0"/>
+          <a:ext cx="0" cy="0"/>
+          <a:chOff x="0" y="0"/>
+          <a:chExt cx="0" cy="0"/>
+        </a:xfrm>
+      </p:grpSpPr>
+      <p:pic>
+        <p:nvPicPr>
+          <p:cNvPr id="4" name="Grafik 3" descr="Ein Bild, das Text enthält.&#10;&#10;Automatisch generierte Beschreibung">
+            <a:extLst>
+              <a:ext uri="{FF2B5EF4-FFF2-40B4-BE49-F238E27FC236}">
+                <a16:creationId xmlns:a16="http://schemas.microsoft.com/office/drawing/2014/main" id="{56B16EEE-86DE-1653-562B-FA4203886DC7}"/>
+              </a:ext>
+            </a:extLst>
+          </p:cNvPr>
+          <p:cNvPicPr>
+            <a:picLocks noChangeAspect="1"/>
+          </p:cNvPicPr>
+          <p:nvPr/>
+        </p:nvPicPr>
+        <p:blipFill rotWithShape="1">
+          <a:blip r:embed="rId2">
+            <a:extLst>
+              <a:ext uri="{28A0092B-C50C-407E-A947-70E740481C1C}">
+                <a14:useLocalDpi xmlns:a14="http://schemas.microsoft.com/office/drawing/2010/main" val="0"/>
+              </a:ext>
+            </a:extLst>
+          </a:blip>
+          <a:srcRect r="577"/>
+          <a:stretch/>
+        </p:blipFill>
+        <p:spPr>
+          <a:xfrm>
+            <a:off x="1498713" y="346113"/>
+            <a:ext cx="9141578" cy="6165773"/>
+          </a:xfrm>
+          <a:prstGeom prst="rect">
+            <a:avLst/>
+          </a:prstGeom>
+          <a:ln>
+            <a:solidFill>
+              <a:schemeClr val="tx1"/>
+            </a:solidFill>
+          </a:ln>
+        </p:spPr>
+      </p:pic>
+    </p:spTree>
+    <p:extLst>
+      <p:ext uri="{BB962C8B-B14F-4D97-AF65-F5344CB8AC3E}">
+        <p14:creationId xmlns:p14="http://schemas.microsoft.com/office/powerpoint/2010/main" val="3038527727"/>
+      </p:ext>
+    </p:extLst>
+  </p:cSld>
+  <p:clrMapOvr>
+    <a:masterClrMapping/>
+  </p:clrMapOvr>
+</p:sld>
+</file>
+
 <file path=ppt/theme/theme1.xml><?xml version="1.0" encoding="utf-8"?>
 <a:theme xmlns:a="http://schemas.openxmlformats.org/drawingml/2006/main" name="Office">
   <a:themeElements>
